--- a/ppt/Java-paprtio.pptx
+++ b/ppt/Java-paprtio.pptx
@@ -7,12 +7,18 @@
   <p:sldIdLst>
     <p:sldId id="256" r:id="rId2"/>
     <p:sldId id="257" r:id="rId3"/>
-    <p:sldId id="259" r:id="rId4"/>
-    <p:sldId id="258" r:id="rId5"/>
-    <p:sldId id="260" r:id="rId6"/>
-    <p:sldId id="261" r:id="rId7"/>
-    <p:sldId id="262" r:id="rId8"/>
-    <p:sldId id="263" r:id="rId9"/>
+    <p:sldId id="268" r:id="rId4"/>
+    <p:sldId id="259" r:id="rId5"/>
+    <p:sldId id="264" r:id="rId6"/>
+    <p:sldId id="265" r:id="rId7"/>
+    <p:sldId id="266" r:id="rId8"/>
+    <p:sldId id="267" r:id="rId9"/>
+    <p:sldId id="269" r:id="rId10"/>
+    <p:sldId id="258" r:id="rId11"/>
+    <p:sldId id="260" r:id="rId12"/>
+    <p:sldId id="261" r:id="rId13"/>
+    <p:sldId id="262" r:id="rId14"/>
+    <p:sldId id="263" r:id="rId15"/>
   </p:sldIdLst>
   <p:sldSz cx="12192000" cy="6858000"/>
   <p:notesSz cx="6858000" cy="9144000"/>
@@ -111,6 +117,11 @@
       </a:defRPr>
     </a:lvl9pPr>
   </p:defaultTextStyle>
+  <p:extLst>
+    <p:ext uri="{EFAFB233-063F-42B5-8137-9DF3F51BA10A}">
+      <p15:sldGuideLst xmlns:p15="http://schemas.microsoft.com/office/powerpoint/2012/main"/>
+    </p:ext>
+  </p:extLst>
 </p:presentation>
 </file>
 
@@ -3451,6 +3462,459 @@
 </p:sld>
 </file>
 
+<file path=ppt/slides/slide10.xml><?xml version="1.0" encoding="utf-8"?>
+<p:sld xmlns:a="http://schemas.openxmlformats.org/drawingml/2006/main" xmlns:r="http://schemas.openxmlformats.org/officeDocument/2006/relationships" xmlns:p="http://schemas.openxmlformats.org/presentationml/2006/main">
+  <p:cSld>
+    <p:spTree>
+      <p:nvGrpSpPr>
+        <p:cNvPr id="1" name=""/>
+        <p:cNvGrpSpPr/>
+        <p:nvPr/>
+      </p:nvGrpSpPr>
+      <p:grpSpPr>
+        <a:xfrm>
+          <a:off x="0" y="0"/>
+          <a:ext cx="0" cy="0"/>
+          <a:chOff x="0" y="0"/>
+          <a:chExt cx="0" cy="0"/>
+        </a:xfrm>
+      </p:grpSpPr>
+      <p:sp>
+        <p:nvSpPr>
+          <p:cNvPr id="2" name="标题 1">
+            <a:extLst>
+              <a:ext uri="{FF2B5EF4-FFF2-40B4-BE49-F238E27FC236}">
+                <a16:creationId xmlns:a16="http://schemas.microsoft.com/office/drawing/2014/main" id="{5C6A8BCE-A44F-4AD7-91D3-C1FEB9A708CC}"/>
+              </a:ext>
+            </a:extLst>
+          </p:cNvPr>
+          <p:cNvSpPr>
+            <a:spLocks noGrp="1"/>
+          </p:cNvSpPr>
+          <p:nvPr>
+            <p:ph type="title"/>
+          </p:nvPr>
+        </p:nvSpPr>
+        <p:spPr/>
+        <p:txBody>
+          <a:bodyPr/>
+          <a:lstStyle/>
+          <a:p>
+            <a:r>
+              <a:rPr lang="zh-CN" altLang="en-US" dirty="0"/>
+              <a:t>本项目特点</a:t>
+            </a:r>
+          </a:p>
+        </p:txBody>
+      </p:sp>
+      <p:sp>
+        <p:nvSpPr>
+          <p:cNvPr id="3" name="内容占位符 2">
+            <a:extLst>
+              <a:ext uri="{FF2B5EF4-FFF2-40B4-BE49-F238E27FC236}">
+                <a16:creationId xmlns:a16="http://schemas.microsoft.com/office/drawing/2014/main" id="{4D98BC80-1E02-4317-B126-99A3C334D630}"/>
+              </a:ext>
+            </a:extLst>
+          </p:cNvPr>
+          <p:cNvSpPr>
+            <a:spLocks noGrp="1"/>
+          </p:cNvSpPr>
+          <p:nvPr>
+            <p:ph idx="1"/>
+          </p:nvPr>
+        </p:nvSpPr>
+        <p:spPr/>
+        <p:txBody>
+          <a:bodyPr/>
+          <a:lstStyle/>
+          <a:p>
+            <a:r>
+              <a:rPr lang="zh-CN" altLang="en-US" dirty="0"/>
+              <a:t>支持单人模式和双人模式</a:t>
+            </a:r>
+            <a:endParaRPr lang="en-US" altLang="zh-CN" dirty="0"/>
+          </a:p>
+          <a:p>
+            <a:r>
+              <a:rPr lang="zh-CN" altLang="en-US" dirty="0"/>
+              <a:t>可以自由设置相关游戏指标</a:t>
+            </a:r>
+            <a:endParaRPr lang="en-US" altLang="zh-CN" dirty="0"/>
+          </a:p>
+          <a:p>
+            <a:r>
+              <a:rPr lang="zh-CN" altLang="en-US" dirty="0"/>
+              <a:t>维护了排行榜</a:t>
+            </a:r>
+            <a:endParaRPr lang="en-US" altLang="zh-CN" dirty="0"/>
+          </a:p>
+          <a:p>
+            <a:r>
+              <a:rPr lang="zh-CN" altLang="en-US" dirty="0"/>
+              <a:t>游戏中可实时查看计分板</a:t>
+            </a:r>
+            <a:endParaRPr lang="en-US" altLang="zh-CN" dirty="0"/>
+          </a:p>
+          <a:p>
+            <a:r>
+              <a:rPr lang="zh-CN" altLang="en-US" dirty="0"/>
+              <a:t>人机自动复活</a:t>
+            </a:r>
+            <a:endParaRPr lang="en-US" altLang="zh-CN" dirty="0"/>
+          </a:p>
+          <a:p>
+            <a:r>
+              <a:rPr lang="zh-CN" altLang="en-US" dirty="0"/>
+              <a:t>配备迷人音效</a:t>
+            </a:r>
+          </a:p>
+        </p:txBody>
+      </p:sp>
+    </p:spTree>
+    <p:extLst>
+      <p:ext uri="{BB962C8B-B14F-4D97-AF65-F5344CB8AC3E}">
+        <p14:creationId xmlns:p14="http://schemas.microsoft.com/office/powerpoint/2010/main" val="2131502940"/>
+      </p:ext>
+    </p:extLst>
+  </p:cSld>
+  <p:clrMapOvr>
+    <a:masterClrMapping/>
+  </p:clrMapOvr>
+</p:sld>
+</file>
+
+<file path=ppt/slides/slide11.xml><?xml version="1.0" encoding="utf-8"?>
+<p:sld xmlns:a="http://schemas.openxmlformats.org/drawingml/2006/main" xmlns:r="http://schemas.openxmlformats.org/officeDocument/2006/relationships" xmlns:p="http://schemas.openxmlformats.org/presentationml/2006/main">
+  <p:cSld>
+    <p:spTree>
+      <p:nvGrpSpPr>
+        <p:cNvPr id="1" name=""/>
+        <p:cNvGrpSpPr/>
+        <p:nvPr/>
+      </p:nvGrpSpPr>
+      <p:grpSpPr>
+        <a:xfrm>
+          <a:off x="0" y="0"/>
+          <a:ext cx="0" cy="0"/>
+          <a:chOff x="0" y="0"/>
+          <a:chExt cx="0" cy="0"/>
+        </a:xfrm>
+      </p:grpSpPr>
+      <p:sp>
+        <p:nvSpPr>
+          <p:cNvPr id="2" name="标题 1">
+            <a:extLst>
+              <a:ext uri="{FF2B5EF4-FFF2-40B4-BE49-F238E27FC236}">
+                <a16:creationId xmlns:a16="http://schemas.microsoft.com/office/drawing/2014/main" id="{C80CC5F7-C84C-4460-9EE6-879A369A7F4D}"/>
+              </a:ext>
+            </a:extLst>
+          </p:cNvPr>
+          <p:cNvSpPr>
+            <a:spLocks noGrp="1"/>
+          </p:cNvSpPr>
+          <p:nvPr>
+            <p:ph type="title"/>
+          </p:nvPr>
+        </p:nvSpPr>
+        <p:spPr/>
+        <p:txBody>
+          <a:bodyPr/>
+          <a:lstStyle/>
+          <a:p>
+            <a:r>
+              <a:rPr lang="zh-CN" altLang="en-US" dirty="0"/>
+              <a:t>核心策略以及算法</a:t>
+            </a:r>
+          </a:p>
+        </p:txBody>
+      </p:sp>
+      <p:sp>
+        <p:nvSpPr>
+          <p:cNvPr id="3" name="内容占位符 2">
+            <a:extLst>
+              <a:ext uri="{FF2B5EF4-FFF2-40B4-BE49-F238E27FC236}">
+                <a16:creationId xmlns:a16="http://schemas.microsoft.com/office/drawing/2014/main" id="{3A64C49D-6B67-4A49-A382-FBA15D4877D7}"/>
+              </a:ext>
+            </a:extLst>
+          </p:cNvPr>
+          <p:cNvSpPr>
+            <a:spLocks noGrp="1"/>
+          </p:cNvSpPr>
+          <p:nvPr>
+            <p:ph idx="1"/>
+          </p:nvPr>
+        </p:nvSpPr>
+        <p:spPr/>
+        <p:txBody>
+          <a:bodyPr/>
+          <a:lstStyle/>
+          <a:p>
+            <a:endParaRPr lang="zh-CN" altLang="en-US" dirty="0"/>
+          </a:p>
+        </p:txBody>
+      </p:sp>
+    </p:spTree>
+    <p:extLst>
+      <p:ext uri="{BB962C8B-B14F-4D97-AF65-F5344CB8AC3E}">
+        <p14:creationId xmlns:p14="http://schemas.microsoft.com/office/powerpoint/2010/main" val="1897032131"/>
+      </p:ext>
+    </p:extLst>
+  </p:cSld>
+  <p:clrMapOvr>
+    <a:masterClrMapping/>
+  </p:clrMapOvr>
+</p:sld>
+</file>
+
+<file path=ppt/slides/slide12.xml><?xml version="1.0" encoding="utf-8"?>
+<p:sld xmlns:a="http://schemas.openxmlformats.org/drawingml/2006/main" xmlns:r="http://schemas.openxmlformats.org/officeDocument/2006/relationships" xmlns:p="http://schemas.openxmlformats.org/presentationml/2006/main">
+  <p:cSld>
+    <p:spTree>
+      <p:nvGrpSpPr>
+        <p:cNvPr id="1" name=""/>
+        <p:cNvGrpSpPr/>
+        <p:nvPr/>
+      </p:nvGrpSpPr>
+      <p:grpSpPr>
+        <a:xfrm>
+          <a:off x="0" y="0"/>
+          <a:ext cx="0" cy="0"/>
+          <a:chOff x="0" y="0"/>
+          <a:chExt cx="0" cy="0"/>
+        </a:xfrm>
+      </p:grpSpPr>
+      <p:sp>
+        <p:nvSpPr>
+          <p:cNvPr id="2" name="标题 1">
+            <a:extLst>
+              <a:ext uri="{FF2B5EF4-FFF2-40B4-BE49-F238E27FC236}">
+                <a16:creationId xmlns:a16="http://schemas.microsoft.com/office/drawing/2014/main" id="{A2C8A856-19BB-49C4-8D62-5A69AF912D83}"/>
+              </a:ext>
+            </a:extLst>
+          </p:cNvPr>
+          <p:cNvSpPr>
+            <a:spLocks noGrp="1"/>
+          </p:cNvSpPr>
+          <p:nvPr>
+            <p:ph type="title"/>
+          </p:nvPr>
+        </p:nvSpPr>
+        <p:spPr/>
+        <p:txBody>
+          <a:bodyPr/>
+          <a:lstStyle/>
+          <a:p>
+            <a:r>
+              <a:rPr lang="zh-CN" altLang="en-US" dirty="0"/>
+              <a:t>项目优缺点</a:t>
+            </a:r>
+          </a:p>
+        </p:txBody>
+      </p:sp>
+      <p:sp>
+        <p:nvSpPr>
+          <p:cNvPr id="3" name="内容占位符 2">
+            <a:extLst>
+              <a:ext uri="{FF2B5EF4-FFF2-40B4-BE49-F238E27FC236}">
+                <a16:creationId xmlns:a16="http://schemas.microsoft.com/office/drawing/2014/main" id="{9365427C-826D-4FE6-8653-33320D19ED94}"/>
+              </a:ext>
+            </a:extLst>
+          </p:cNvPr>
+          <p:cNvSpPr>
+            <a:spLocks noGrp="1"/>
+          </p:cNvSpPr>
+          <p:nvPr>
+            <p:ph idx="1"/>
+          </p:nvPr>
+        </p:nvSpPr>
+        <p:spPr/>
+        <p:txBody>
+          <a:bodyPr/>
+          <a:lstStyle/>
+          <a:p>
+            <a:endParaRPr lang="zh-CN" altLang="en-US"/>
+          </a:p>
+        </p:txBody>
+      </p:sp>
+    </p:spTree>
+    <p:extLst>
+      <p:ext uri="{BB962C8B-B14F-4D97-AF65-F5344CB8AC3E}">
+        <p14:creationId xmlns:p14="http://schemas.microsoft.com/office/powerpoint/2010/main" val="1191804904"/>
+      </p:ext>
+    </p:extLst>
+  </p:cSld>
+  <p:clrMapOvr>
+    <a:masterClrMapping/>
+  </p:clrMapOvr>
+</p:sld>
+</file>
+
+<file path=ppt/slides/slide13.xml><?xml version="1.0" encoding="utf-8"?>
+<p:sld xmlns:a="http://schemas.openxmlformats.org/drawingml/2006/main" xmlns:r="http://schemas.openxmlformats.org/officeDocument/2006/relationships" xmlns:p="http://schemas.openxmlformats.org/presentationml/2006/main">
+  <p:cSld>
+    <p:spTree>
+      <p:nvGrpSpPr>
+        <p:cNvPr id="1" name=""/>
+        <p:cNvGrpSpPr/>
+        <p:nvPr/>
+      </p:nvGrpSpPr>
+      <p:grpSpPr>
+        <a:xfrm>
+          <a:off x="0" y="0"/>
+          <a:ext cx="0" cy="0"/>
+          <a:chOff x="0" y="0"/>
+          <a:chExt cx="0" cy="0"/>
+        </a:xfrm>
+      </p:grpSpPr>
+      <p:sp>
+        <p:nvSpPr>
+          <p:cNvPr id="2" name="标题 1">
+            <a:extLst>
+              <a:ext uri="{FF2B5EF4-FFF2-40B4-BE49-F238E27FC236}">
+                <a16:creationId xmlns:a16="http://schemas.microsoft.com/office/drawing/2014/main" id="{11C175F3-F737-4DB2-91D3-BB57AFB84206}"/>
+              </a:ext>
+            </a:extLst>
+          </p:cNvPr>
+          <p:cNvSpPr>
+            <a:spLocks noGrp="1"/>
+          </p:cNvSpPr>
+          <p:nvPr>
+            <p:ph type="title"/>
+          </p:nvPr>
+        </p:nvSpPr>
+        <p:spPr/>
+        <p:txBody>
+          <a:bodyPr/>
+          <a:lstStyle/>
+          <a:p>
+            <a:r>
+              <a:rPr lang="zh-CN" altLang="en-US" dirty="0"/>
+              <a:t>后续发展</a:t>
+            </a:r>
+          </a:p>
+        </p:txBody>
+      </p:sp>
+      <p:sp>
+        <p:nvSpPr>
+          <p:cNvPr id="3" name="内容占位符 2">
+            <a:extLst>
+              <a:ext uri="{FF2B5EF4-FFF2-40B4-BE49-F238E27FC236}">
+                <a16:creationId xmlns:a16="http://schemas.microsoft.com/office/drawing/2014/main" id="{9509F61E-C9A7-4C16-9281-430219D67017}"/>
+              </a:ext>
+            </a:extLst>
+          </p:cNvPr>
+          <p:cNvSpPr>
+            <a:spLocks noGrp="1"/>
+          </p:cNvSpPr>
+          <p:nvPr>
+            <p:ph idx="1"/>
+          </p:nvPr>
+        </p:nvSpPr>
+        <p:spPr/>
+        <p:txBody>
+          <a:bodyPr/>
+          <a:lstStyle/>
+          <a:p>
+            <a:endParaRPr lang="zh-CN" altLang="en-US"/>
+          </a:p>
+        </p:txBody>
+      </p:sp>
+    </p:spTree>
+    <p:extLst>
+      <p:ext uri="{BB962C8B-B14F-4D97-AF65-F5344CB8AC3E}">
+        <p14:creationId xmlns:p14="http://schemas.microsoft.com/office/powerpoint/2010/main" val="2078597498"/>
+      </p:ext>
+    </p:extLst>
+  </p:cSld>
+  <p:clrMapOvr>
+    <a:masterClrMapping/>
+  </p:clrMapOvr>
+</p:sld>
+</file>
+
+<file path=ppt/slides/slide14.xml><?xml version="1.0" encoding="utf-8"?>
+<p:sld xmlns:a="http://schemas.openxmlformats.org/drawingml/2006/main" xmlns:r="http://schemas.openxmlformats.org/officeDocument/2006/relationships" xmlns:p="http://schemas.openxmlformats.org/presentationml/2006/main">
+  <p:cSld>
+    <p:spTree>
+      <p:nvGrpSpPr>
+        <p:cNvPr id="1" name=""/>
+        <p:cNvGrpSpPr/>
+        <p:nvPr/>
+      </p:nvGrpSpPr>
+      <p:grpSpPr>
+        <a:xfrm>
+          <a:off x="0" y="0"/>
+          <a:ext cx="0" cy="0"/>
+          <a:chOff x="0" y="0"/>
+          <a:chExt cx="0" cy="0"/>
+        </a:xfrm>
+      </p:grpSpPr>
+      <p:sp>
+        <p:nvSpPr>
+          <p:cNvPr id="2" name="标题 1">
+            <a:extLst>
+              <a:ext uri="{FF2B5EF4-FFF2-40B4-BE49-F238E27FC236}">
+                <a16:creationId xmlns:a16="http://schemas.microsoft.com/office/drawing/2014/main" id="{13475D5B-0631-40B1-934E-28A4DEAABBDA}"/>
+              </a:ext>
+            </a:extLst>
+          </p:cNvPr>
+          <p:cNvSpPr>
+            <a:spLocks noGrp="1"/>
+          </p:cNvSpPr>
+          <p:nvPr>
+            <p:ph type="title"/>
+          </p:nvPr>
+        </p:nvSpPr>
+        <p:spPr/>
+        <p:txBody>
+          <a:bodyPr/>
+          <a:lstStyle/>
+          <a:p>
+            <a:r>
+              <a:rPr lang="zh-CN" altLang="en-US" dirty="0"/>
+              <a:t>结束</a:t>
+            </a:r>
+          </a:p>
+        </p:txBody>
+      </p:sp>
+      <p:sp>
+        <p:nvSpPr>
+          <p:cNvPr id="3" name="内容占位符 2">
+            <a:extLst>
+              <a:ext uri="{FF2B5EF4-FFF2-40B4-BE49-F238E27FC236}">
+                <a16:creationId xmlns:a16="http://schemas.microsoft.com/office/drawing/2014/main" id="{5FC4E285-A13E-459C-BC3E-663B357A3DA0}"/>
+              </a:ext>
+            </a:extLst>
+          </p:cNvPr>
+          <p:cNvSpPr>
+            <a:spLocks noGrp="1"/>
+          </p:cNvSpPr>
+          <p:nvPr>
+            <p:ph idx="1"/>
+          </p:nvPr>
+        </p:nvSpPr>
+        <p:spPr/>
+        <p:txBody>
+          <a:bodyPr/>
+          <a:lstStyle/>
+          <a:p>
+            <a:endParaRPr lang="zh-CN" altLang="en-US"/>
+          </a:p>
+        </p:txBody>
+      </p:sp>
+    </p:spTree>
+    <p:extLst>
+      <p:ext uri="{BB962C8B-B14F-4D97-AF65-F5344CB8AC3E}">
+        <p14:creationId xmlns:p14="http://schemas.microsoft.com/office/powerpoint/2010/main" val="4240412989"/>
+      </p:ext>
+    </p:extLst>
+  </p:cSld>
+  <p:clrMapOvr>
+    <a:masterClrMapping/>
+  </p:clrMapOvr>
+</p:sld>
+</file>
+
 <file path=ppt/slides/slide2.xml><?xml version="1.0" encoding="utf-8"?>
 <p:sld xmlns:a="http://schemas.openxmlformats.org/drawingml/2006/main" xmlns:r="http://schemas.openxmlformats.org/officeDocument/2006/relationships" xmlns:p="http://schemas.openxmlformats.org/presentationml/2006/main">
   <p:cSld>
@@ -3563,7 +4027,7 @@
           <p:cNvPr id="2" name="标题 1">
             <a:extLst>
               <a:ext uri="{FF2B5EF4-FFF2-40B4-BE49-F238E27FC236}">
-                <a16:creationId xmlns:a16="http://schemas.microsoft.com/office/drawing/2014/main" id="{ED26E7A6-3127-471A-8D71-6F3AED4D5893}"/>
+                <a16:creationId xmlns:a16="http://schemas.microsoft.com/office/drawing/2014/main" id="{FADBED68-F138-4FF5-95B0-B65BBA8B9BE5}"/>
               </a:ext>
             </a:extLst>
           </p:cNvPr>
@@ -3581,7 +4045,7 @@
           <a:p>
             <a:r>
               <a:rPr lang="zh-CN" altLang="en-US" dirty="0"/>
-              <a:t>项目一览</a:t>
+              <a:t>游戏规则</a:t>
             </a:r>
           </a:p>
         </p:txBody>
@@ -3591,7 +4055,7 @@
           <p:cNvPr id="3" name="内容占位符 2">
             <a:extLst>
               <a:ext uri="{FF2B5EF4-FFF2-40B4-BE49-F238E27FC236}">
-                <a16:creationId xmlns:a16="http://schemas.microsoft.com/office/drawing/2014/main" id="{7C2E579E-2A3E-493C-9CAC-D6464FC5D631}"/>
+                <a16:creationId xmlns:a16="http://schemas.microsoft.com/office/drawing/2014/main" id="{F50F1A27-D3CE-4990-925D-3BA4825198CF}"/>
               </a:ext>
             </a:extLst>
           </p:cNvPr>
@@ -3607,17 +4071,14 @@
           <a:bodyPr/>
           <a:lstStyle/>
           <a:p>
-            <a:r>
-              <a:rPr lang="zh-CN" altLang="en-US" dirty="0"/>
-              <a:t>上图</a:t>
-            </a:r>
+            <a:endParaRPr lang="zh-CN" altLang="en-US" dirty="0"/>
           </a:p>
         </p:txBody>
       </p:sp>
     </p:spTree>
     <p:extLst>
       <p:ext uri="{BB962C8B-B14F-4D97-AF65-F5344CB8AC3E}">
-        <p14:creationId xmlns:p14="http://schemas.microsoft.com/office/powerpoint/2010/main" val="664115184"/>
+        <p14:creationId xmlns:p14="http://schemas.microsoft.com/office/powerpoint/2010/main" val="3100571128"/>
       </p:ext>
     </p:extLst>
   </p:cSld>
@@ -3649,7 +4110,7 @@
           <p:cNvPr id="2" name="标题 1">
             <a:extLst>
               <a:ext uri="{FF2B5EF4-FFF2-40B4-BE49-F238E27FC236}">
-                <a16:creationId xmlns:a16="http://schemas.microsoft.com/office/drawing/2014/main" id="{5C6A8BCE-A44F-4AD7-91D3-C1FEB9A708CC}"/>
+                <a16:creationId xmlns:a16="http://schemas.microsoft.com/office/drawing/2014/main" id="{ED26E7A6-3127-471A-8D71-6F3AED4D5893}"/>
               </a:ext>
             </a:extLst>
           </p:cNvPr>
@@ -3667,7 +4128,7 @@
           <a:p>
             <a:r>
               <a:rPr lang="zh-CN" altLang="en-US" dirty="0"/>
-              <a:t>本项目特点</a:t>
+              <a:t>项目一览</a:t>
             </a:r>
           </a:p>
         </p:txBody>
@@ -3677,7 +4138,7 @@
           <p:cNvPr id="3" name="内容占位符 2">
             <a:extLst>
               <a:ext uri="{FF2B5EF4-FFF2-40B4-BE49-F238E27FC236}">
-                <a16:creationId xmlns:a16="http://schemas.microsoft.com/office/drawing/2014/main" id="{4D98BC80-1E02-4317-B126-99A3C334D630}"/>
+                <a16:creationId xmlns:a16="http://schemas.microsoft.com/office/drawing/2014/main" id="{7C2E579E-2A3E-493C-9CAC-D6464FC5D631}"/>
               </a:ext>
             </a:extLst>
           </p:cNvPr>
@@ -3694,51 +4155,78 @@
           <a:lstStyle/>
           <a:p>
             <a:r>
+              <a:rPr lang="zh-CN" altLang="en-US" dirty="0">
+                <a:hlinkClick r:id="rId2" action="ppaction://hlinksldjump"/>
+              </a:rPr>
+              <a:t>主页面</a:t>
+            </a:r>
+            <a:endParaRPr lang="en-US" altLang="zh-CN" dirty="0"/>
+          </a:p>
+          <a:p>
+            <a:r>
+              <a:rPr lang="zh-CN" altLang="en-US" dirty="0">
+                <a:hlinkClick r:id="rId3" action="ppaction://hlinksldjump"/>
+              </a:rPr>
+              <a:t>排行榜页面</a:t>
+            </a:r>
+            <a:endParaRPr lang="en-US" altLang="zh-CN" dirty="0"/>
+          </a:p>
+          <a:p>
+            <a:r>
+              <a:rPr lang="zh-CN" altLang="en-US" dirty="0">
+                <a:hlinkClick r:id="rId4" action="ppaction://hlinksldjump"/>
+              </a:rPr>
+              <a:t>设置页面</a:t>
+            </a:r>
+            <a:endParaRPr lang="en-US" altLang="zh-CN" dirty="0"/>
+          </a:p>
+          <a:p>
+            <a:r>
+              <a:rPr lang="zh-CN" altLang="en-US" dirty="0">
+                <a:hlinkClick r:id="rId5" action="ppaction://hlinksldjump"/>
+              </a:rPr>
+              <a:t>游戏页面</a:t>
+            </a:r>
+            <a:r>
+              <a:rPr lang="en-US" altLang="zh-CN" dirty="0"/>
+              <a:t>(</a:t>
+            </a:r>
+            <a:r>
               <a:rPr lang="zh-CN" altLang="en-US" dirty="0"/>
-              <a:t>支持单人模式和双人模式</a:t>
-            </a:r>
-            <a:endParaRPr lang="en-US" altLang="zh-CN" dirty="0"/>
-          </a:p>
-          <a:p>
+              <a:t>单人</a:t>
+            </a:r>
+            <a:r>
+              <a:rPr lang="en-US" altLang="zh-CN" dirty="0"/>
+              <a:t>)</a:t>
+            </a:r>
+          </a:p>
+          <a:p>
+            <a:r>
+              <a:rPr lang="zh-CN" altLang="en-US" dirty="0">
+                <a:hlinkClick r:id="rId6" action="ppaction://hlinksldjump"/>
+              </a:rPr>
+              <a:t>游戏界面</a:t>
+            </a:r>
+            <a:r>
+              <a:rPr lang="en-US" altLang="zh-CN" dirty="0"/>
+              <a:t>(</a:t>
+            </a:r>
             <a:r>
               <a:rPr lang="zh-CN" altLang="en-US" dirty="0"/>
-              <a:t>可以自由设置相关游戏指标</a:t>
-            </a:r>
-            <a:endParaRPr lang="en-US" altLang="zh-CN" dirty="0"/>
-          </a:p>
-          <a:p>
-            <a:r>
-              <a:rPr lang="zh-CN" altLang="en-US" dirty="0"/>
-              <a:t>维护了排行榜</a:t>
-            </a:r>
-            <a:endParaRPr lang="en-US" altLang="zh-CN" dirty="0"/>
-          </a:p>
-          <a:p>
-            <a:r>
-              <a:rPr lang="zh-CN" altLang="en-US" dirty="0"/>
-              <a:t>游戏中可实时查看计分板</a:t>
-            </a:r>
-            <a:endParaRPr lang="en-US" altLang="zh-CN" dirty="0"/>
-          </a:p>
-          <a:p>
-            <a:r>
-              <a:rPr lang="zh-CN" altLang="en-US" dirty="0"/>
-              <a:t>人机自动复活</a:t>
-            </a:r>
-            <a:endParaRPr lang="en-US" altLang="zh-CN" dirty="0"/>
-          </a:p>
-          <a:p>
-            <a:r>
-              <a:rPr lang="zh-CN" altLang="en-US" dirty="0"/>
-              <a:t>配备迷人音效</a:t>
-            </a:r>
+              <a:t>双人</a:t>
+            </a:r>
+            <a:r>
+              <a:rPr lang="en-US" altLang="zh-CN" dirty="0"/>
+              <a:t>)</a:t>
+            </a:r>
+            <a:endParaRPr lang="zh-CN" altLang="en-US" dirty="0"/>
           </a:p>
         </p:txBody>
       </p:sp>
     </p:spTree>
     <p:extLst>
       <p:ext uri="{BB962C8B-B14F-4D97-AF65-F5344CB8AC3E}">
-        <p14:creationId xmlns:p14="http://schemas.microsoft.com/office/powerpoint/2010/main" val="2131502940"/>
+        <p14:creationId xmlns:p14="http://schemas.microsoft.com/office/powerpoint/2010/main" val="664115184"/>
       </p:ext>
     </p:extLst>
   </p:cSld>
@@ -3770,7 +4258,7 @@
           <p:cNvPr id="2" name="标题 1">
             <a:extLst>
               <a:ext uri="{FF2B5EF4-FFF2-40B4-BE49-F238E27FC236}">
-                <a16:creationId xmlns:a16="http://schemas.microsoft.com/office/drawing/2014/main" id="{C80CC5F7-C84C-4460-9EE6-879A369A7F4D}"/>
+                <a16:creationId xmlns:a16="http://schemas.microsoft.com/office/drawing/2014/main" id="{B7E8594C-60B0-443C-B17A-96C87927FDE1}"/>
               </a:ext>
             </a:extLst>
           </p:cNvPr>
@@ -3786,10 +4274,7 @@
           <a:bodyPr/>
           <a:lstStyle/>
           <a:p>
-            <a:r>
-              <a:rPr lang="zh-CN" altLang="en-US" dirty="0"/>
-              <a:t>核心策略以及算法</a:t>
-            </a:r>
+            <a:endParaRPr lang="zh-CN" altLang="en-US"/>
           </a:p>
         </p:txBody>
       </p:sp>
@@ -3798,7 +4283,7 @@
           <p:cNvPr id="3" name="内容占位符 2">
             <a:extLst>
               <a:ext uri="{FF2B5EF4-FFF2-40B4-BE49-F238E27FC236}">
-                <a16:creationId xmlns:a16="http://schemas.microsoft.com/office/drawing/2014/main" id="{3A64C49D-6B67-4A49-A382-FBA15D4877D7}"/>
+                <a16:creationId xmlns:a16="http://schemas.microsoft.com/office/drawing/2014/main" id="{5A56555F-5967-43C8-8843-315BA7F93514}"/>
               </a:ext>
             </a:extLst>
           </p:cNvPr>
@@ -3814,14 +4299,601 @@
           <a:bodyPr/>
           <a:lstStyle/>
           <a:p>
-            <a:endParaRPr lang="zh-CN" altLang="en-US" dirty="0"/>
+            <a:endParaRPr lang="zh-CN" altLang="en-US"/>
+          </a:p>
+        </p:txBody>
+      </p:sp>
+      <p:pic>
+        <p:nvPicPr>
+          <p:cNvPr id="4" name="图片 3">
+            <a:extLst>
+              <a:ext uri="{FF2B5EF4-FFF2-40B4-BE49-F238E27FC236}">
+                <a16:creationId xmlns:a16="http://schemas.microsoft.com/office/drawing/2014/main" id="{61B6821D-9D05-4727-870C-24893E83392C}"/>
+              </a:ext>
+            </a:extLst>
+          </p:cNvPr>
+          <p:cNvPicPr>
+            <a:picLocks noChangeAspect="1"/>
+          </p:cNvPicPr>
+          <p:nvPr/>
+        </p:nvPicPr>
+        <p:blipFill>
+          <a:blip r:embed="rId2">
+            <a:extLst>
+              <a:ext uri="{28A0092B-C50C-407E-A947-70E740481C1C}">
+                <a14:useLocalDpi xmlns:a14="http://schemas.microsoft.com/office/drawing/2010/main" val="0"/>
+              </a:ext>
+            </a:extLst>
+          </a:blip>
+          <a:stretch>
+            <a:fillRect/>
+          </a:stretch>
+        </p:blipFill>
+        <p:spPr>
+          <a:xfrm>
+            <a:off x="0" y="-19125"/>
+            <a:ext cx="12192000" cy="6881962"/>
+          </a:xfrm>
+          <a:prstGeom prst="rect">
+            <a:avLst/>
+          </a:prstGeom>
+        </p:spPr>
+      </p:pic>
+      <p:sp>
+        <p:nvSpPr>
+          <p:cNvPr id="5" name="文本框 4">
+            <a:extLst>
+              <a:ext uri="{FF2B5EF4-FFF2-40B4-BE49-F238E27FC236}">
+                <a16:creationId xmlns:a16="http://schemas.microsoft.com/office/drawing/2014/main" id="{BD4FEB33-227F-4DE0-A6EA-2E628254E5A1}"/>
+              </a:ext>
+            </a:extLst>
+          </p:cNvPr>
+          <p:cNvSpPr txBox="1"/>
+          <p:nvPr/>
+        </p:nvSpPr>
+        <p:spPr>
+          <a:xfrm>
+            <a:off x="101821" y="2892155"/>
+            <a:ext cx="2245451" cy="461665"/>
+          </a:xfrm>
+          <a:prstGeom prst="rect">
+            <a:avLst/>
+          </a:prstGeom>
+          <a:noFill/>
+        </p:spPr>
+        <p:txBody>
+          <a:bodyPr wrap="square" rtlCol="0">
+            <a:spAutoFit/>
+          </a:bodyPr>
+          <a:lstStyle/>
+          <a:p>
+            <a:r>
+              <a:rPr lang="en-US" altLang="zh-CN" sz="2400" dirty="0">
+                <a:solidFill>
+                  <a:schemeClr val="accent4"/>
+                </a:solidFill>
+              </a:rPr>
+              <a:t>Record</a:t>
+            </a:r>
+            <a:r>
+              <a:rPr lang="zh-CN" altLang="en-US" sz="2400" dirty="0">
+                <a:solidFill>
+                  <a:schemeClr val="accent4"/>
+                </a:solidFill>
+              </a:rPr>
+              <a:t>排行榜</a:t>
+            </a:r>
+          </a:p>
+        </p:txBody>
+      </p:sp>
+      <p:cxnSp>
+        <p:nvCxnSpPr>
+          <p:cNvPr id="6" name="直接箭头连接符 5">
+            <a:extLst>
+              <a:ext uri="{FF2B5EF4-FFF2-40B4-BE49-F238E27FC236}">
+                <a16:creationId xmlns:a16="http://schemas.microsoft.com/office/drawing/2014/main" id="{DA0F6B47-A83D-4C23-AFB7-0A563071A69F}"/>
+              </a:ext>
+            </a:extLst>
+          </p:cNvPr>
+          <p:cNvCxnSpPr>
+            <a:cxnSpLocks/>
+          </p:cNvCxnSpPr>
+          <p:nvPr/>
+        </p:nvCxnSpPr>
+        <p:spPr>
+          <a:xfrm>
+            <a:off x="1074656" y="3353820"/>
+            <a:ext cx="857839" cy="1896910"/>
+          </a:xfrm>
+          <a:prstGeom prst="straightConnector1">
+            <a:avLst/>
+          </a:prstGeom>
+          <a:ln w="57150">
+            <a:solidFill>
+              <a:srgbClr val="FF0000"/>
+            </a:solidFill>
+            <a:tailEnd type="triangle"/>
+          </a:ln>
+        </p:spPr>
+        <p:style>
+          <a:lnRef idx="1">
+            <a:schemeClr val="accent1"/>
+          </a:lnRef>
+          <a:fillRef idx="0">
+            <a:schemeClr val="accent1"/>
+          </a:fillRef>
+          <a:effectRef idx="0">
+            <a:schemeClr val="accent1"/>
+          </a:effectRef>
+          <a:fontRef idx="minor">
+            <a:schemeClr val="tx1"/>
+          </a:fontRef>
+        </p:style>
+      </p:cxnSp>
+      <p:sp>
+        <p:nvSpPr>
+          <p:cNvPr id="8" name="文本框 7">
+            <a:extLst>
+              <a:ext uri="{FF2B5EF4-FFF2-40B4-BE49-F238E27FC236}">
+                <a16:creationId xmlns:a16="http://schemas.microsoft.com/office/drawing/2014/main" id="{DFE5A259-B0D3-4C06-933D-F2AD7DAB4FC6}"/>
+              </a:ext>
+            </a:extLst>
+          </p:cNvPr>
+          <p:cNvSpPr txBox="1"/>
+          <p:nvPr/>
+        </p:nvSpPr>
+        <p:spPr>
+          <a:xfrm>
+            <a:off x="3173155" y="1979357"/>
+            <a:ext cx="2145062" cy="461665"/>
+          </a:xfrm>
+          <a:prstGeom prst="rect">
+            <a:avLst/>
+          </a:prstGeom>
+          <a:noFill/>
+        </p:spPr>
+        <p:txBody>
+          <a:bodyPr wrap="square" rtlCol="0">
+            <a:spAutoFit/>
+          </a:bodyPr>
+          <a:lstStyle/>
+          <a:p>
+            <a:r>
+              <a:rPr lang="zh-CN" altLang="en-US" sz="2400" dirty="0">
+                <a:solidFill>
+                  <a:schemeClr val="accent4"/>
+                </a:solidFill>
+              </a:rPr>
+              <a:t>设置玩家名字</a:t>
+            </a:r>
+          </a:p>
+        </p:txBody>
+      </p:sp>
+      <p:cxnSp>
+        <p:nvCxnSpPr>
+          <p:cNvPr id="9" name="直接箭头连接符 8">
+            <a:extLst>
+              <a:ext uri="{FF2B5EF4-FFF2-40B4-BE49-F238E27FC236}">
+                <a16:creationId xmlns:a16="http://schemas.microsoft.com/office/drawing/2014/main" id="{66546FF3-1E10-4343-B99D-3A71E9CC1336}"/>
+              </a:ext>
+            </a:extLst>
+          </p:cNvPr>
+          <p:cNvCxnSpPr>
+            <a:cxnSpLocks/>
+          </p:cNvCxnSpPr>
+          <p:nvPr/>
+        </p:nvCxnSpPr>
+        <p:spPr>
+          <a:xfrm>
+            <a:off x="4040931" y="2441022"/>
+            <a:ext cx="1033921" cy="2889275"/>
+          </a:xfrm>
+          <a:prstGeom prst="straightConnector1">
+            <a:avLst/>
+          </a:prstGeom>
+          <a:ln w="57150">
+            <a:solidFill>
+              <a:srgbClr val="FF0000"/>
+            </a:solidFill>
+            <a:tailEnd type="triangle"/>
+          </a:ln>
+        </p:spPr>
+        <p:style>
+          <a:lnRef idx="1">
+            <a:schemeClr val="accent1"/>
+          </a:lnRef>
+          <a:fillRef idx="0">
+            <a:schemeClr val="accent1"/>
+          </a:fillRef>
+          <a:effectRef idx="0">
+            <a:schemeClr val="accent1"/>
+          </a:effectRef>
+          <a:fontRef idx="minor">
+            <a:schemeClr val="tx1"/>
+          </a:fontRef>
+        </p:style>
+      </p:cxnSp>
+      <p:cxnSp>
+        <p:nvCxnSpPr>
+          <p:cNvPr id="10" name="直接箭头连接符 9">
+            <a:extLst>
+              <a:ext uri="{FF2B5EF4-FFF2-40B4-BE49-F238E27FC236}">
+                <a16:creationId xmlns:a16="http://schemas.microsoft.com/office/drawing/2014/main" id="{598609D0-56BD-4969-AD93-8BEE94B1DA52}"/>
+              </a:ext>
+            </a:extLst>
+          </p:cNvPr>
+          <p:cNvCxnSpPr>
+            <a:cxnSpLocks/>
+          </p:cNvCxnSpPr>
+          <p:nvPr/>
+        </p:nvCxnSpPr>
+        <p:spPr>
+          <a:xfrm>
+            <a:off x="4040931" y="2441022"/>
+            <a:ext cx="730104" cy="3497865"/>
+          </a:xfrm>
+          <a:prstGeom prst="straightConnector1">
+            <a:avLst/>
+          </a:prstGeom>
+          <a:ln w="57150">
+            <a:solidFill>
+              <a:srgbClr val="FF0000"/>
+            </a:solidFill>
+            <a:tailEnd type="triangle"/>
+          </a:ln>
+        </p:spPr>
+        <p:style>
+          <a:lnRef idx="1">
+            <a:schemeClr val="accent1"/>
+          </a:lnRef>
+          <a:fillRef idx="0">
+            <a:schemeClr val="accent1"/>
+          </a:fillRef>
+          <a:effectRef idx="0">
+            <a:schemeClr val="accent1"/>
+          </a:effectRef>
+          <a:fontRef idx="minor">
+            <a:schemeClr val="tx1"/>
+          </a:fontRef>
+        </p:style>
+      </p:cxnSp>
+      <p:sp>
+        <p:nvSpPr>
+          <p:cNvPr id="14" name="文本框 13">
+            <a:extLst>
+              <a:ext uri="{FF2B5EF4-FFF2-40B4-BE49-F238E27FC236}">
+                <a16:creationId xmlns:a16="http://schemas.microsoft.com/office/drawing/2014/main" id="{C8CBEA0C-DCD0-4FD5-AC65-C2A8430135B4}"/>
+              </a:ext>
+            </a:extLst>
+          </p:cNvPr>
+          <p:cNvSpPr txBox="1"/>
+          <p:nvPr/>
+        </p:nvSpPr>
+        <p:spPr>
+          <a:xfrm>
+            <a:off x="8462629" y="756456"/>
+            <a:ext cx="2227375" cy="461665"/>
+          </a:xfrm>
+          <a:prstGeom prst="rect">
+            <a:avLst/>
+          </a:prstGeom>
+          <a:noFill/>
+        </p:spPr>
+        <p:txBody>
+          <a:bodyPr wrap="square" rtlCol="0">
+            <a:spAutoFit/>
+          </a:bodyPr>
+          <a:lstStyle/>
+          <a:p>
+            <a:r>
+              <a:rPr lang="zh-CN" altLang="en-US" sz="2400" dirty="0">
+                <a:solidFill>
+                  <a:schemeClr val="accent4"/>
+                </a:solidFill>
+              </a:rPr>
+              <a:t>背景音乐播放</a:t>
+            </a:r>
+          </a:p>
+        </p:txBody>
+      </p:sp>
+      <p:cxnSp>
+        <p:nvCxnSpPr>
+          <p:cNvPr id="15" name="直接箭头连接符 14">
+            <a:extLst>
+              <a:ext uri="{FF2B5EF4-FFF2-40B4-BE49-F238E27FC236}">
+                <a16:creationId xmlns:a16="http://schemas.microsoft.com/office/drawing/2014/main" id="{8AF2F446-5547-46C7-BD62-C4F61E5A1901}"/>
+              </a:ext>
+            </a:extLst>
+          </p:cNvPr>
+          <p:cNvCxnSpPr>
+            <a:cxnSpLocks/>
+            <a:stCxn id="14" idx="2"/>
+          </p:cNvCxnSpPr>
+          <p:nvPr/>
+        </p:nvCxnSpPr>
+        <p:spPr>
+          <a:xfrm>
+            <a:off x="9576317" y="1218121"/>
+            <a:ext cx="1130864" cy="826952"/>
+          </a:xfrm>
+          <a:prstGeom prst="straightConnector1">
+            <a:avLst/>
+          </a:prstGeom>
+          <a:ln w="57150">
+            <a:solidFill>
+              <a:srgbClr val="FF0000"/>
+            </a:solidFill>
+            <a:tailEnd type="triangle"/>
+          </a:ln>
+        </p:spPr>
+        <p:style>
+          <a:lnRef idx="1">
+            <a:schemeClr val="accent1"/>
+          </a:lnRef>
+          <a:fillRef idx="0">
+            <a:schemeClr val="accent1"/>
+          </a:fillRef>
+          <a:effectRef idx="0">
+            <a:schemeClr val="accent1"/>
+          </a:effectRef>
+          <a:fontRef idx="minor">
+            <a:schemeClr val="tx1"/>
+          </a:fontRef>
+        </p:style>
+      </p:cxnSp>
+      <p:sp>
+        <p:nvSpPr>
+          <p:cNvPr id="17" name="文本框 16">
+            <a:extLst>
+              <a:ext uri="{FF2B5EF4-FFF2-40B4-BE49-F238E27FC236}">
+                <a16:creationId xmlns:a16="http://schemas.microsoft.com/office/drawing/2014/main" id="{07F5ECE1-DE8F-4392-9ACB-7FB4FC608B2E}"/>
+              </a:ext>
+            </a:extLst>
+          </p:cNvPr>
+          <p:cNvSpPr txBox="1"/>
+          <p:nvPr/>
+        </p:nvSpPr>
+        <p:spPr>
+          <a:xfrm>
+            <a:off x="9713536" y="3286187"/>
+            <a:ext cx="1640264" cy="461665"/>
+          </a:xfrm>
+          <a:prstGeom prst="rect">
+            <a:avLst/>
+          </a:prstGeom>
+          <a:noFill/>
+        </p:spPr>
+        <p:txBody>
+          <a:bodyPr wrap="square" rtlCol="0">
+            <a:spAutoFit/>
+          </a:bodyPr>
+          <a:lstStyle/>
+          <a:p>
+            <a:r>
+              <a:rPr lang="zh-CN" altLang="en-US" sz="2400" dirty="0">
+                <a:solidFill>
+                  <a:schemeClr val="accent4"/>
+                </a:solidFill>
+              </a:rPr>
+              <a:t>单人模式</a:t>
+            </a:r>
+          </a:p>
+        </p:txBody>
+      </p:sp>
+      <p:cxnSp>
+        <p:nvCxnSpPr>
+          <p:cNvPr id="18" name="直接箭头连接符 17">
+            <a:extLst>
+              <a:ext uri="{FF2B5EF4-FFF2-40B4-BE49-F238E27FC236}">
+                <a16:creationId xmlns:a16="http://schemas.microsoft.com/office/drawing/2014/main" id="{E7C98B01-4EFD-48AD-AC86-8F522A261A50}"/>
+              </a:ext>
+            </a:extLst>
+          </p:cNvPr>
+          <p:cNvCxnSpPr>
+            <a:cxnSpLocks/>
+          </p:cNvCxnSpPr>
+          <p:nvPr/>
+        </p:nvCxnSpPr>
+        <p:spPr>
+          <a:xfrm flipH="1">
+            <a:off x="8277583" y="3747852"/>
+            <a:ext cx="1947775" cy="1460562"/>
+          </a:xfrm>
+          <a:prstGeom prst="straightConnector1">
+            <a:avLst/>
+          </a:prstGeom>
+          <a:ln w="57150">
+            <a:solidFill>
+              <a:srgbClr val="FF0000"/>
+            </a:solidFill>
+            <a:tailEnd type="triangle"/>
+          </a:ln>
+        </p:spPr>
+        <p:style>
+          <a:lnRef idx="1">
+            <a:schemeClr val="accent1"/>
+          </a:lnRef>
+          <a:fillRef idx="0">
+            <a:schemeClr val="accent1"/>
+          </a:fillRef>
+          <a:effectRef idx="0">
+            <a:schemeClr val="accent1"/>
+          </a:effectRef>
+          <a:fontRef idx="minor">
+            <a:schemeClr val="tx1"/>
+          </a:fontRef>
+        </p:style>
+      </p:cxnSp>
+      <p:cxnSp>
+        <p:nvCxnSpPr>
+          <p:cNvPr id="19" name="直接箭头连接符 18">
+            <a:extLst>
+              <a:ext uri="{FF2B5EF4-FFF2-40B4-BE49-F238E27FC236}">
+                <a16:creationId xmlns:a16="http://schemas.microsoft.com/office/drawing/2014/main" id="{0F457DF3-C605-49D1-BD3F-C891223957EC}"/>
+              </a:ext>
+            </a:extLst>
+          </p:cNvPr>
+          <p:cNvCxnSpPr>
+            <a:cxnSpLocks/>
+          </p:cNvCxnSpPr>
+          <p:nvPr/>
+        </p:nvCxnSpPr>
+        <p:spPr>
+          <a:xfrm flipH="1">
+            <a:off x="8162736" y="5938887"/>
+            <a:ext cx="2225602" cy="98426"/>
+          </a:xfrm>
+          <a:prstGeom prst="straightConnector1">
+            <a:avLst/>
+          </a:prstGeom>
+          <a:ln w="57150">
+            <a:solidFill>
+              <a:srgbClr val="FF0000"/>
+            </a:solidFill>
+            <a:tailEnd type="triangle"/>
+          </a:ln>
+        </p:spPr>
+        <p:style>
+          <a:lnRef idx="1">
+            <a:schemeClr val="accent1"/>
+          </a:lnRef>
+          <a:fillRef idx="0">
+            <a:schemeClr val="accent1"/>
+          </a:fillRef>
+          <a:effectRef idx="0">
+            <a:schemeClr val="accent1"/>
+          </a:effectRef>
+          <a:fontRef idx="minor">
+            <a:schemeClr val="tx1"/>
+          </a:fontRef>
+        </p:style>
+      </p:cxnSp>
+      <p:sp>
+        <p:nvSpPr>
+          <p:cNvPr id="20" name="矩形 19">
+            <a:extLst>
+              <a:ext uri="{FF2B5EF4-FFF2-40B4-BE49-F238E27FC236}">
+                <a16:creationId xmlns:a16="http://schemas.microsoft.com/office/drawing/2014/main" id="{5CF64FD8-9B3A-41BF-8D7F-B7247A87F10E}"/>
+              </a:ext>
+            </a:extLst>
+          </p:cNvPr>
+          <p:cNvSpPr/>
+          <p:nvPr/>
+        </p:nvSpPr>
+        <p:spPr>
+          <a:xfrm>
+            <a:off x="10021682" y="4197596"/>
+            <a:ext cx="2199894" cy="461665"/>
+          </a:xfrm>
+          <a:prstGeom prst="rect">
+            <a:avLst/>
+          </a:prstGeom>
+        </p:spPr>
+        <p:txBody>
+          <a:bodyPr wrap="square">
+            <a:spAutoFit/>
+          </a:bodyPr>
+          <a:lstStyle/>
+          <a:p>
+            <a:r>
+              <a:rPr lang="zh-CN" altLang="en-US" sz="2400" dirty="0">
+                <a:solidFill>
+                  <a:schemeClr val="accent4"/>
+                </a:solidFill>
+              </a:rPr>
+              <a:t>相关指标设置</a:t>
+            </a:r>
+          </a:p>
+        </p:txBody>
+      </p:sp>
+      <p:cxnSp>
+        <p:nvCxnSpPr>
+          <p:cNvPr id="21" name="直接箭头连接符 20">
+            <a:extLst>
+              <a:ext uri="{FF2B5EF4-FFF2-40B4-BE49-F238E27FC236}">
+                <a16:creationId xmlns:a16="http://schemas.microsoft.com/office/drawing/2014/main" id="{AFB5BD9F-3788-4F8B-AB49-206B0E810381}"/>
+              </a:ext>
+            </a:extLst>
+          </p:cNvPr>
+          <p:cNvCxnSpPr>
+            <a:cxnSpLocks/>
+            <a:stCxn id="20" idx="2"/>
+          </p:cNvCxnSpPr>
+          <p:nvPr/>
+        </p:nvCxnSpPr>
+        <p:spPr>
+          <a:xfrm flipH="1">
+            <a:off x="9511023" y="4659261"/>
+            <a:ext cx="1610606" cy="743929"/>
+          </a:xfrm>
+          <a:prstGeom prst="straightConnector1">
+            <a:avLst/>
+          </a:prstGeom>
+          <a:ln w="57150">
+            <a:solidFill>
+              <a:srgbClr val="FF0000"/>
+            </a:solidFill>
+            <a:tailEnd type="triangle"/>
+          </a:ln>
+        </p:spPr>
+        <p:style>
+          <a:lnRef idx="1">
+            <a:schemeClr val="accent1"/>
+          </a:lnRef>
+          <a:fillRef idx="0">
+            <a:schemeClr val="accent1"/>
+          </a:fillRef>
+          <a:effectRef idx="0">
+            <a:schemeClr val="accent1"/>
+          </a:effectRef>
+          <a:fontRef idx="minor">
+            <a:schemeClr val="tx1"/>
+          </a:fontRef>
+        </p:style>
+      </p:cxnSp>
+      <p:sp>
+        <p:nvSpPr>
+          <p:cNvPr id="26" name="文本框 25">
+            <a:extLst>
+              <a:ext uri="{FF2B5EF4-FFF2-40B4-BE49-F238E27FC236}">
+                <a16:creationId xmlns:a16="http://schemas.microsoft.com/office/drawing/2014/main" id="{C70F91EA-A216-426F-ADAE-CDD67958AFCE}"/>
+              </a:ext>
+            </a:extLst>
+          </p:cNvPr>
+          <p:cNvSpPr txBox="1"/>
+          <p:nvPr/>
+        </p:nvSpPr>
+        <p:spPr>
+          <a:xfrm>
+            <a:off x="10388338" y="5722743"/>
+            <a:ext cx="1640264" cy="461665"/>
+          </a:xfrm>
+          <a:prstGeom prst="rect">
+            <a:avLst/>
+          </a:prstGeom>
+          <a:noFill/>
+        </p:spPr>
+        <p:txBody>
+          <a:bodyPr wrap="square" rtlCol="0">
+            <a:spAutoFit/>
+          </a:bodyPr>
+          <a:lstStyle/>
+          <a:p>
+            <a:r>
+              <a:rPr lang="zh-CN" altLang="en-US" sz="2400" dirty="0">
+                <a:solidFill>
+                  <a:schemeClr val="accent4"/>
+                </a:solidFill>
+              </a:rPr>
+              <a:t>双人模式</a:t>
+            </a:r>
           </a:p>
         </p:txBody>
       </p:sp>
     </p:spTree>
     <p:extLst>
       <p:ext uri="{BB962C8B-B14F-4D97-AF65-F5344CB8AC3E}">
-        <p14:creationId xmlns:p14="http://schemas.microsoft.com/office/powerpoint/2010/main" val="1897032131"/>
+        <p14:creationId xmlns:p14="http://schemas.microsoft.com/office/powerpoint/2010/main" val="3030021261"/>
       </p:ext>
     </p:extLst>
   </p:cSld>
@@ -3853,7 +4925,7 @@
           <p:cNvPr id="2" name="标题 1">
             <a:extLst>
               <a:ext uri="{FF2B5EF4-FFF2-40B4-BE49-F238E27FC236}">
-                <a16:creationId xmlns:a16="http://schemas.microsoft.com/office/drawing/2014/main" id="{A2C8A856-19BB-49C4-8D62-5A69AF912D83}"/>
+                <a16:creationId xmlns:a16="http://schemas.microsoft.com/office/drawing/2014/main" id="{05F4B87D-B45F-4B38-AF92-6DF49CDB714B}"/>
               </a:ext>
             </a:extLst>
           </p:cNvPr>
@@ -3869,10 +4941,7 @@
           <a:bodyPr/>
           <a:lstStyle/>
           <a:p>
-            <a:r>
-              <a:rPr lang="zh-CN" altLang="en-US" dirty="0"/>
-              <a:t>项目优缺点</a:t>
-            </a:r>
+            <a:endParaRPr lang="zh-CN" altLang="en-US"/>
           </a:p>
         </p:txBody>
       </p:sp>
@@ -3881,7 +4950,7 @@
           <p:cNvPr id="3" name="内容占位符 2">
             <a:extLst>
               <a:ext uri="{FF2B5EF4-FFF2-40B4-BE49-F238E27FC236}">
-                <a16:creationId xmlns:a16="http://schemas.microsoft.com/office/drawing/2014/main" id="{9365427C-826D-4FE6-8653-33320D19ED94}"/>
+                <a16:creationId xmlns:a16="http://schemas.microsoft.com/office/drawing/2014/main" id="{539D48BC-5605-4917-B6F0-1FFA3EDDD195}"/>
               </a:ext>
             </a:extLst>
           </p:cNvPr>
@@ -3897,14 +4966,270 @@
           <a:bodyPr/>
           <a:lstStyle/>
           <a:p>
-            <a:endParaRPr lang="zh-CN" altLang="en-US"/>
-          </a:p>
-        </p:txBody>
-      </p:sp>
+            <a:endParaRPr lang="zh-CN" altLang="en-US" dirty="0"/>
+          </a:p>
+        </p:txBody>
+      </p:sp>
+      <p:pic>
+        <p:nvPicPr>
+          <p:cNvPr id="4" name="图片 3">
+            <a:extLst>
+              <a:ext uri="{FF2B5EF4-FFF2-40B4-BE49-F238E27FC236}">
+                <a16:creationId xmlns:a16="http://schemas.microsoft.com/office/drawing/2014/main" id="{13CA5FD4-38B4-492C-8AC5-0BF7FBC93BEF}"/>
+              </a:ext>
+            </a:extLst>
+          </p:cNvPr>
+          <p:cNvPicPr>
+            <a:picLocks noChangeAspect="1"/>
+          </p:cNvPicPr>
+          <p:nvPr/>
+        </p:nvPicPr>
+        <p:blipFill>
+          <a:blip r:embed="rId2"/>
+          <a:stretch>
+            <a:fillRect/>
+          </a:stretch>
+        </p:blipFill>
+        <p:spPr>
+          <a:xfrm>
+            <a:off x="-5306" y="0"/>
+            <a:ext cx="12197306" cy="6858000"/>
+          </a:xfrm>
+          <a:prstGeom prst="rect">
+            <a:avLst/>
+          </a:prstGeom>
+        </p:spPr>
+      </p:pic>
+      <p:sp>
+        <p:nvSpPr>
+          <p:cNvPr id="5" name="文本框 4">
+            <a:extLst>
+              <a:ext uri="{FF2B5EF4-FFF2-40B4-BE49-F238E27FC236}">
+                <a16:creationId xmlns:a16="http://schemas.microsoft.com/office/drawing/2014/main" id="{5EB3621D-65D9-4497-9E8F-E66FA123E8F5}"/>
+              </a:ext>
+            </a:extLst>
+          </p:cNvPr>
+          <p:cNvSpPr txBox="1"/>
+          <p:nvPr/>
+        </p:nvSpPr>
+        <p:spPr>
+          <a:xfrm>
+            <a:off x="2168164" y="450204"/>
+            <a:ext cx="2733773" cy="461665"/>
+          </a:xfrm>
+          <a:prstGeom prst="rect">
+            <a:avLst/>
+          </a:prstGeom>
+          <a:noFill/>
+        </p:spPr>
+        <p:txBody>
+          <a:bodyPr wrap="square" rtlCol="0">
+            <a:spAutoFit/>
+          </a:bodyPr>
+          <a:lstStyle/>
+          <a:p>
+            <a:r>
+              <a:rPr lang="zh-CN" altLang="en-US" sz="2400" dirty="0">
+                <a:solidFill>
+                  <a:srgbClr val="FFFF00"/>
+                </a:solidFill>
+              </a:rPr>
+              <a:t>返回按钮</a:t>
+            </a:r>
+          </a:p>
+        </p:txBody>
+      </p:sp>
+      <p:cxnSp>
+        <p:nvCxnSpPr>
+          <p:cNvPr id="6" name="直接箭头连接符 5">
+            <a:extLst>
+              <a:ext uri="{FF2B5EF4-FFF2-40B4-BE49-F238E27FC236}">
+                <a16:creationId xmlns:a16="http://schemas.microsoft.com/office/drawing/2014/main" id="{6BA3919C-BF41-40CC-AED3-0541D2BE9C67}"/>
+              </a:ext>
+            </a:extLst>
+          </p:cNvPr>
+          <p:cNvCxnSpPr>
+            <a:cxnSpLocks/>
+          </p:cNvCxnSpPr>
+          <p:nvPr/>
+        </p:nvCxnSpPr>
+        <p:spPr>
+          <a:xfrm flipH="1">
+            <a:off x="989814" y="729980"/>
+            <a:ext cx="1178350" cy="42054"/>
+          </a:xfrm>
+          <a:prstGeom prst="straightConnector1">
+            <a:avLst/>
+          </a:prstGeom>
+          <a:ln w="57150">
+            <a:solidFill>
+              <a:srgbClr val="FF0000"/>
+            </a:solidFill>
+            <a:tailEnd type="triangle"/>
+          </a:ln>
+        </p:spPr>
+        <p:style>
+          <a:lnRef idx="1">
+            <a:schemeClr val="accent1"/>
+          </a:lnRef>
+          <a:fillRef idx="0">
+            <a:schemeClr val="accent1"/>
+          </a:fillRef>
+          <a:effectRef idx="0">
+            <a:schemeClr val="accent1"/>
+          </a:effectRef>
+          <a:fontRef idx="minor">
+            <a:schemeClr val="tx1"/>
+          </a:fontRef>
+        </p:style>
+      </p:cxnSp>
+      <p:sp>
+        <p:nvSpPr>
+          <p:cNvPr id="9" name="文本框 8">
+            <a:extLst>
+              <a:ext uri="{FF2B5EF4-FFF2-40B4-BE49-F238E27FC236}">
+                <a16:creationId xmlns:a16="http://schemas.microsoft.com/office/drawing/2014/main" id="{30665890-782A-4E55-83DF-93765FF08BD0}"/>
+              </a:ext>
+            </a:extLst>
+          </p:cNvPr>
+          <p:cNvSpPr txBox="1"/>
+          <p:nvPr/>
+        </p:nvSpPr>
+        <p:spPr>
+          <a:xfrm>
+            <a:off x="5167459" y="2055813"/>
+            <a:ext cx="2733773" cy="461665"/>
+          </a:xfrm>
+          <a:prstGeom prst="rect">
+            <a:avLst/>
+          </a:prstGeom>
+          <a:noFill/>
+        </p:spPr>
+        <p:txBody>
+          <a:bodyPr wrap="square" rtlCol="0">
+            <a:spAutoFit/>
+          </a:bodyPr>
+          <a:lstStyle/>
+          <a:p>
+            <a:r>
+              <a:rPr lang="zh-CN" altLang="en-US" sz="2400" dirty="0">
+                <a:solidFill>
+                  <a:srgbClr val="FFFF00"/>
+                </a:solidFill>
+              </a:rPr>
+              <a:t>姓名</a:t>
+            </a:r>
+            <a:r>
+              <a:rPr lang="en-US" altLang="zh-CN" sz="2400" dirty="0">
+                <a:solidFill>
+                  <a:srgbClr val="FFFF00"/>
+                </a:solidFill>
+              </a:rPr>
+              <a:t>+</a:t>
+            </a:r>
+            <a:r>
+              <a:rPr lang="zh-CN" altLang="en-US" sz="2400" dirty="0">
+                <a:solidFill>
+                  <a:srgbClr val="FFFF00"/>
+                </a:solidFill>
+              </a:rPr>
+              <a:t>分数</a:t>
+            </a:r>
+          </a:p>
+        </p:txBody>
+      </p:sp>
+      <p:cxnSp>
+        <p:nvCxnSpPr>
+          <p:cNvPr id="10" name="直接箭头连接符 9">
+            <a:extLst>
+              <a:ext uri="{FF2B5EF4-FFF2-40B4-BE49-F238E27FC236}">
+                <a16:creationId xmlns:a16="http://schemas.microsoft.com/office/drawing/2014/main" id="{6D8F296F-245B-4903-8A55-98981BB29630}"/>
+              </a:ext>
+            </a:extLst>
+          </p:cNvPr>
+          <p:cNvCxnSpPr>
+            <a:cxnSpLocks/>
+          </p:cNvCxnSpPr>
+          <p:nvPr/>
+        </p:nvCxnSpPr>
+        <p:spPr>
+          <a:xfrm>
+            <a:off x="5997018" y="2631212"/>
+            <a:ext cx="1044805" cy="1007534"/>
+          </a:xfrm>
+          <a:prstGeom prst="straightConnector1">
+            <a:avLst/>
+          </a:prstGeom>
+          <a:ln w="57150">
+            <a:solidFill>
+              <a:srgbClr val="FF0000"/>
+            </a:solidFill>
+            <a:tailEnd type="triangle"/>
+          </a:ln>
+        </p:spPr>
+        <p:style>
+          <a:lnRef idx="1">
+            <a:schemeClr val="accent1"/>
+          </a:lnRef>
+          <a:fillRef idx="0">
+            <a:schemeClr val="accent1"/>
+          </a:fillRef>
+          <a:effectRef idx="0">
+            <a:schemeClr val="accent1"/>
+          </a:effectRef>
+          <a:fontRef idx="minor">
+            <a:schemeClr val="tx1"/>
+          </a:fontRef>
+        </p:style>
+      </p:cxnSp>
+      <p:cxnSp>
+        <p:nvCxnSpPr>
+          <p:cNvPr id="12" name="直接箭头连接符 11">
+            <a:extLst>
+              <a:ext uri="{FF2B5EF4-FFF2-40B4-BE49-F238E27FC236}">
+                <a16:creationId xmlns:a16="http://schemas.microsoft.com/office/drawing/2014/main" id="{F18CF471-B540-4C84-8D17-689F67E83DA2}"/>
+              </a:ext>
+            </a:extLst>
+          </p:cNvPr>
+          <p:cNvCxnSpPr>
+            <a:cxnSpLocks/>
+          </p:cNvCxnSpPr>
+          <p:nvPr/>
+        </p:nvCxnSpPr>
+        <p:spPr>
+          <a:xfrm>
+            <a:off x="5997018" y="2628579"/>
+            <a:ext cx="3740478" cy="937291"/>
+          </a:xfrm>
+          <a:prstGeom prst="straightConnector1">
+            <a:avLst/>
+          </a:prstGeom>
+          <a:ln w="57150">
+            <a:solidFill>
+              <a:srgbClr val="FF0000"/>
+            </a:solidFill>
+            <a:tailEnd type="triangle"/>
+          </a:ln>
+        </p:spPr>
+        <p:style>
+          <a:lnRef idx="1">
+            <a:schemeClr val="accent1"/>
+          </a:lnRef>
+          <a:fillRef idx="0">
+            <a:schemeClr val="accent1"/>
+          </a:fillRef>
+          <a:effectRef idx="0">
+            <a:schemeClr val="accent1"/>
+          </a:effectRef>
+          <a:fontRef idx="minor">
+            <a:schemeClr val="tx1"/>
+          </a:fontRef>
+        </p:style>
+      </p:cxnSp>
     </p:spTree>
     <p:extLst>
       <p:ext uri="{BB962C8B-B14F-4D97-AF65-F5344CB8AC3E}">
-        <p14:creationId xmlns:p14="http://schemas.microsoft.com/office/powerpoint/2010/main" val="1191804904"/>
+        <p14:creationId xmlns:p14="http://schemas.microsoft.com/office/powerpoint/2010/main" val="1425179463"/>
       </p:ext>
     </p:extLst>
   </p:cSld>
@@ -3936,7 +5261,7 @@
           <p:cNvPr id="2" name="标题 1">
             <a:extLst>
               <a:ext uri="{FF2B5EF4-FFF2-40B4-BE49-F238E27FC236}">
-                <a16:creationId xmlns:a16="http://schemas.microsoft.com/office/drawing/2014/main" id="{11C175F3-F737-4DB2-91D3-BB57AFB84206}"/>
+                <a16:creationId xmlns:a16="http://schemas.microsoft.com/office/drawing/2014/main" id="{9DBAF01D-B7E9-46E2-BFEC-D37D6073F351}"/>
               </a:ext>
             </a:extLst>
           </p:cNvPr>
@@ -3952,10 +5277,7 @@
           <a:bodyPr/>
           <a:lstStyle/>
           <a:p>
-            <a:r>
-              <a:rPr lang="zh-CN" altLang="en-US" dirty="0"/>
-              <a:t>后续发展</a:t>
-            </a:r>
+            <a:endParaRPr lang="zh-CN" altLang="en-US"/>
           </a:p>
         </p:txBody>
       </p:sp>
@@ -3964,7 +5286,7 @@
           <p:cNvPr id="3" name="内容占位符 2">
             <a:extLst>
               <a:ext uri="{FF2B5EF4-FFF2-40B4-BE49-F238E27FC236}">
-                <a16:creationId xmlns:a16="http://schemas.microsoft.com/office/drawing/2014/main" id="{9509F61E-C9A7-4C16-9281-430219D67017}"/>
+                <a16:creationId xmlns:a16="http://schemas.microsoft.com/office/drawing/2014/main" id="{C2771D3D-A729-45CD-86DC-A8019A270E43}"/>
               </a:ext>
             </a:extLst>
           </p:cNvPr>
@@ -3980,14 +5302,439 @@
           <a:bodyPr/>
           <a:lstStyle/>
           <a:p>
-            <a:endParaRPr lang="zh-CN" altLang="en-US"/>
-          </a:p>
-        </p:txBody>
-      </p:sp>
+            <a:endParaRPr lang="zh-CN" altLang="en-US" dirty="0"/>
+          </a:p>
+        </p:txBody>
+      </p:sp>
+      <p:pic>
+        <p:nvPicPr>
+          <p:cNvPr id="4" name="图片 3">
+            <a:extLst>
+              <a:ext uri="{FF2B5EF4-FFF2-40B4-BE49-F238E27FC236}">
+                <a16:creationId xmlns:a16="http://schemas.microsoft.com/office/drawing/2014/main" id="{47439243-E426-4B1B-B4DA-EE6731317CEC}"/>
+              </a:ext>
+            </a:extLst>
+          </p:cNvPr>
+          <p:cNvPicPr>
+            <a:picLocks noChangeAspect="1"/>
+          </p:cNvPicPr>
+          <p:nvPr/>
+        </p:nvPicPr>
+        <p:blipFill>
+          <a:blip r:embed="rId2"/>
+          <a:stretch>
+            <a:fillRect/>
+          </a:stretch>
+        </p:blipFill>
+        <p:spPr>
+          <a:xfrm>
+            <a:off x="0" y="0"/>
+            <a:ext cx="12214319" cy="6858000"/>
+          </a:xfrm>
+          <a:prstGeom prst="rect">
+            <a:avLst/>
+          </a:prstGeom>
+        </p:spPr>
+      </p:pic>
+      <p:sp>
+        <p:nvSpPr>
+          <p:cNvPr id="5" name="文本框 4">
+            <a:extLst>
+              <a:ext uri="{FF2B5EF4-FFF2-40B4-BE49-F238E27FC236}">
+                <a16:creationId xmlns:a16="http://schemas.microsoft.com/office/drawing/2014/main" id="{BCC9D8DB-3CAA-4366-A2B4-952385A04936}"/>
+              </a:ext>
+            </a:extLst>
+          </p:cNvPr>
+          <p:cNvSpPr txBox="1"/>
+          <p:nvPr/>
+        </p:nvSpPr>
+        <p:spPr>
+          <a:xfrm>
+            <a:off x="287516" y="1690688"/>
+            <a:ext cx="2733773" cy="461665"/>
+          </a:xfrm>
+          <a:prstGeom prst="rect">
+            <a:avLst/>
+          </a:prstGeom>
+          <a:noFill/>
+        </p:spPr>
+        <p:txBody>
+          <a:bodyPr wrap="square" rtlCol="0">
+            <a:spAutoFit/>
+          </a:bodyPr>
+          <a:lstStyle/>
+          <a:p>
+            <a:r>
+              <a:rPr lang="zh-CN" altLang="en-US" sz="2400" dirty="0"/>
+              <a:t>返回按钮</a:t>
+            </a:r>
+          </a:p>
+        </p:txBody>
+      </p:sp>
+      <p:cxnSp>
+        <p:nvCxnSpPr>
+          <p:cNvPr id="6" name="直接箭头连接符 5">
+            <a:extLst>
+              <a:ext uri="{FF2B5EF4-FFF2-40B4-BE49-F238E27FC236}">
+                <a16:creationId xmlns:a16="http://schemas.microsoft.com/office/drawing/2014/main" id="{67FCF3BC-A756-4FC5-9302-2F9CDFC2FD27}"/>
+              </a:ext>
+            </a:extLst>
+          </p:cNvPr>
+          <p:cNvCxnSpPr>
+            <a:cxnSpLocks/>
+          </p:cNvCxnSpPr>
+          <p:nvPr/>
+        </p:nvCxnSpPr>
+        <p:spPr>
+          <a:xfrm flipH="1" flipV="1">
+            <a:off x="838200" y="1027906"/>
+            <a:ext cx="89555" cy="704434"/>
+          </a:xfrm>
+          <a:prstGeom prst="straightConnector1">
+            <a:avLst/>
+          </a:prstGeom>
+          <a:ln w="57150">
+            <a:solidFill>
+              <a:srgbClr val="FF0000"/>
+            </a:solidFill>
+            <a:tailEnd type="triangle"/>
+          </a:ln>
+        </p:spPr>
+        <p:style>
+          <a:lnRef idx="1">
+            <a:schemeClr val="accent1"/>
+          </a:lnRef>
+          <a:fillRef idx="0">
+            <a:schemeClr val="accent1"/>
+          </a:fillRef>
+          <a:effectRef idx="0">
+            <a:schemeClr val="accent1"/>
+          </a:effectRef>
+          <a:fontRef idx="minor">
+            <a:schemeClr val="tx1"/>
+          </a:fontRef>
+        </p:style>
+      </p:cxnSp>
+      <p:sp>
+        <p:nvSpPr>
+          <p:cNvPr id="9" name="文本框 8">
+            <a:extLst>
+              <a:ext uri="{FF2B5EF4-FFF2-40B4-BE49-F238E27FC236}">
+                <a16:creationId xmlns:a16="http://schemas.microsoft.com/office/drawing/2014/main" id="{4EFEA792-29C6-48C7-AC28-5D7953C6E668}"/>
+              </a:ext>
+            </a:extLst>
+          </p:cNvPr>
+          <p:cNvSpPr txBox="1"/>
+          <p:nvPr/>
+        </p:nvSpPr>
+        <p:spPr>
+          <a:xfrm>
+            <a:off x="9170711" y="1363566"/>
+            <a:ext cx="2733773" cy="461665"/>
+          </a:xfrm>
+          <a:prstGeom prst="rect">
+            <a:avLst/>
+          </a:prstGeom>
+          <a:noFill/>
+        </p:spPr>
+        <p:txBody>
+          <a:bodyPr wrap="square" rtlCol="0">
+            <a:spAutoFit/>
+          </a:bodyPr>
+          <a:lstStyle/>
+          <a:p>
+            <a:r>
+              <a:rPr lang="zh-CN" altLang="en-US" sz="2400" dirty="0"/>
+              <a:t>游戏面板高度</a:t>
+            </a:r>
+          </a:p>
+        </p:txBody>
+      </p:sp>
+      <p:cxnSp>
+        <p:nvCxnSpPr>
+          <p:cNvPr id="10" name="直接箭头连接符 9">
+            <a:extLst>
+              <a:ext uri="{FF2B5EF4-FFF2-40B4-BE49-F238E27FC236}">
+                <a16:creationId xmlns:a16="http://schemas.microsoft.com/office/drawing/2014/main" id="{BBD83EBD-F250-4A1D-93A3-A041C5672007}"/>
+              </a:ext>
+            </a:extLst>
+          </p:cNvPr>
+          <p:cNvCxnSpPr>
+            <a:cxnSpLocks/>
+          </p:cNvCxnSpPr>
+          <p:nvPr/>
+        </p:nvCxnSpPr>
+        <p:spPr>
+          <a:xfrm flipH="1">
+            <a:off x="7432800" y="1616542"/>
+            <a:ext cx="1737911" cy="617611"/>
+          </a:xfrm>
+          <a:prstGeom prst="straightConnector1">
+            <a:avLst/>
+          </a:prstGeom>
+          <a:ln w="57150">
+            <a:solidFill>
+              <a:srgbClr val="FF0000"/>
+            </a:solidFill>
+            <a:tailEnd type="triangle"/>
+          </a:ln>
+        </p:spPr>
+        <p:style>
+          <a:lnRef idx="1">
+            <a:schemeClr val="accent1"/>
+          </a:lnRef>
+          <a:fillRef idx="0">
+            <a:schemeClr val="accent1"/>
+          </a:fillRef>
+          <a:effectRef idx="0">
+            <a:schemeClr val="accent1"/>
+          </a:effectRef>
+          <a:fontRef idx="minor">
+            <a:schemeClr val="tx1"/>
+          </a:fontRef>
+        </p:style>
+      </p:cxnSp>
+      <p:sp>
+        <p:nvSpPr>
+          <p:cNvPr id="13" name="文本框 12">
+            <a:extLst>
+              <a:ext uri="{FF2B5EF4-FFF2-40B4-BE49-F238E27FC236}">
+                <a16:creationId xmlns:a16="http://schemas.microsoft.com/office/drawing/2014/main" id="{6409FDD1-FA2D-4A08-A882-869DFB08D091}"/>
+              </a:ext>
+            </a:extLst>
+          </p:cNvPr>
+          <p:cNvSpPr txBox="1"/>
+          <p:nvPr/>
+        </p:nvSpPr>
+        <p:spPr>
+          <a:xfrm>
+            <a:off x="9170711" y="2217578"/>
+            <a:ext cx="2733773" cy="461665"/>
+          </a:xfrm>
+          <a:prstGeom prst="rect">
+            <a:avLst/>
+          </a:prstGeom>
+          <a:noFill/>
+        </p:spPr>
+        <p:txBody>
+          <a:bodyPr wrap="square" rtlCol="0">
+            <a:spAutoFit/>
+          </a:bodyPr>
+          <a:lstStyle/>
+          <a:p>
+            <a:r>
+              <a:rPr lang="zh-CN" altLang="en-US" sz="2400" dirty="0"/>
+              <a:t>游戏面板宽度</a:t>
+            </a:r>
+          </a:p>
+        </p:txBody>
+      </p:sp>
+      <p:cxnSp>
+        <p:nvCxnSpPr>
+          <p:cNvPr id="14" name="直接箭头连接符 13">
+            <a:extLst>
+              <a:ext uri="{FF2B5EF4-FFF2-40B4-BE49-F238E27FC236}">
+                <a16:creationId xmlns:a16="http://schemas.microsoft.com/office/drawing/2014/main" id="{CBBAA1B1-2FB3-49F2-A1D7-E9BDE89DF4F2}"/>
+              </a:ext>
+            </a:extLst>
+          </p:cNvPr>
+          <p:cNvCxnSpPr>
+            <a:cxnSpLocks/>
+          </p:cNvCxnSpPr>
+          <p:nvPr/>
+        </p:nvCxnSpPr>
+        <p:spPr>
+          <a:xfrm flipH="1">
+            <a:off x="7432800" y="2470554"/>
+            <a:ext cx="1737911" cy="617611"/>
+          </a:xfrm>
+          <a:prstGeom prst="straightConnector1">
+            <a:avLst/>
+          </a:prstGeom>
+          <a:ln w="57150">
+            <a:solidFill>
+              <a:srgbClr val="FF0000"/>
+            </a:solidFill>
+            <a:tailEnd type="triangle"/>
+          </a:ln>
+        </p:spPr>
+        <p:style>
+          <a:lnRef idx="1">
+            <a:schemeClr val="accent1"/>
+          </a:lnRef>
+          <a:fillRef idx="0">
+            <a:schemeClr val="accent1"/>
+          </a:fillRef>
+          <a:effectRef idx="0">
+            <a:schemeClr val="accent1"/>
+          </a:effectRef>
+          <a:fontRef idx="minor">
+            <a:schemeClr val="tx1"/>
+          </a:fontRef>
+        </p:style>
+      </p:cxnSp>
+      <p:sp>
+        <p:nvSpPr>
+          <p:cNvPr id="15" name="文本框 14">
+            <a:extLst>
+              <a:ext uri="{FF2B5EF4-FFF2-40B4-BE49-F238E27FC236}">
+                <a16:creationId xmlns:a16="http://schemas.microsoft.com/office/drawing/2014/main" id="{5A51D109-6EEF-401D-92CD-7619AF310F9B}"/>
+              </a:ext>
+            </a:extLst>
+          </p:cNvPr>
+          <p:cNvSpPr txBox="1"/>
+          <p:nvPr/>
+        </p:nvSpPr>
+        <p:spPr>
+          <a:xfrm>
+            <a:off x="9170711" y="3147786"/>
+            <a:ext cx="2733773" cy="461665"/>
+          </a:xfrm>
+          <a:prstGeom prst="rect">
+            <a:avLst/>
+          </a:prstGeom>
+          <a:noFill/>
+        </p:spPr>
+        <p:txBody>
+          <a:bodyPr wrap="square" rtlCol="0">
+            <a:spAutoFit/>
+          </a:bodyPr>
+          <a:lstStyle/>
+          <a:p>
+            <a:r>
+              <a:rPr lang="zh-CN" altLang="en-US" sz="2400" dirty="0"/>
+              <a:t>纸带速度</a:t>
+            </a:r>
+          </a:p>
+        </p:txBody>
+      </p:sp>
+      <p:cxnSp>
+        <p:nvCxnSpPr>
+          <p:cNvPr id="16" name="直接箭头连接符 15">
+            <a:extLst>
+              <a:ext uri="{FF2B5EF4-FFF2-40B4-BE49-F238E27FC236}">
+                <a16:creationId xmlns:a16="http://schemas.microsoft.com/office/drawing/2014/main" id="{E95D6354-8BDD-4E06-A071-2F5F3A12154A}"/>
+              </a:ext>
+            </a:extLst>
+          </p:cNvPr>
+          <p:cNvCxnSpPr>
+            <a:cxnSpLocks/>
+          </p:cNvCxnSpPr>
+          <p:nvPr/>
+        </p:nvCxnSpPr>
+        <p:spPr>
+          <a:xfrm flipH="1">
+            <a:off x="7432800" y="3400762"/>
+            <a:ext cx="1737911" cy="617611"/>
+          </a:xfrm>
+          <a:prstGeom prst="straightConnector1">
+            <a:avLst/>
+          </a:prstGeom>
+          <a:ln w="57150">
+            <a:solidFill>
+              <a:srgbClr val="FF0000"/>
+            </a:solidFill>
+            <a:tailEnd type="triangle"/>
+          </a:ln>
+        </p:spPr>
+        <p:style>
+          <a:lnRef idx="1">
+            <a:schemeClr val="accent1"/>
+          </a:lnRef>
+          <a:fillRef idx="0">
+            <a:schemeClr val="accent1"/>
+          </a:fillRef>
+          <a:effectRef idx="0">
+            <a:schemeClr val="accent1"/>
+          </a:effectRef>
+          <a:fontRef idx="minor">
+            <a:schemeClr val="tx1"/>
+          </a:fontRef>
+        </p:style>
+      </p:cxnSp>
+      <p:sp>
+        <p:nvSpPr>
+          <p:cNvPr id="17" name="文本框 16">
+            <a:extLst>
+              <a:ext uri="{FF2B5EF4-FFF2-40B4-BE49-F238E27FC236}">
+                <a16:creationId xmlns:a16="http://schemas.microsoft.com/office/drawing/2014/main" id="{4C2EC30D-0E5A-4F10-BA78-CD6CC664DEB2}"/>
+              </a:ext>
+            </a:extLst>
+          </p:cNvPr>
+          <p:cNvSpPr txBox="1"/>
+          <p:nvPr/>
+        </p:nvSpPr>
+        <p:spPr>
+          <a:xfrm>
+            <a:off x="9170710" y="4072685"/>
+            <a:ext cx="2733773" cy="461665"/>
+          </a:xfrm>
+          <a:prstGeom prst="rect">
+            <a:avLst/>
+          </a:prstGeom>
+          <a:noFill/>
+        </p:spPr>
+        <p:txBody>
+          <a:bodyPr wrap="square" rtlCol="0">
+            <a:spAutoFit/>
+          </a:bodyPr>
+          <a:lstStyle/>
+          <a:p>
+            <a:r>
+              <a:rPr lang="zh-CN" altLang="en-US" sz="2400" dirty="0"/>
+              <a:t>人机数量</a:t>
+            </a:r>
+          </a:p>
+        </p:txBody>
+      </p:sp>
+      <p:cxnSp>
+        <p:nvCxnSpPr>
+          <p:cNvPr id="18" name="直接箭头连接符 17">
+            <a:extLst>
+              <a:ext uri="{FF2B5EF4-FFF2-40B4-BE49-F238E27FC236}">
+                <a16:creationId xmlns:a16="http://schemas.microsoft.com/office/drawing/2014/main" id="{519C7F8F-E37B-40B5-83B8-F0A25524021E}"/>
+              </a:ext>
+            </a:extLst>
+          </p:cNvPr>
+          <p:cNvCxnSpPr>
+            <a:cxnSpLocks/>
+          </p:cNvCxnSpPr>
+          <p:nvPr/>
+        </p:nvCxnSpPr>
+        <p:spPr>
+          <a:xfrm flipH="1">
+            <a:off x="7432800" y="4379940"/>
+            <a:ext cx="1737911" cy="617611"/>
+          </a:xfrm>
+          <a:prstGeom prst="straightConnector1">
+            <a:avLst/>
+          </a:prstGeom>
+          <a:ln w="57150">
+            <a:solidFill>
+              <a:srgbClr val="FF0000"/>
+            </a:solidFill>
+            <a:tailEnd type="triangle"/>
+          </a:ln>
+        </p:spPr>
+        <p:style>
+          <a:lnRef idx="1">
+            <a:schemeClr val="accent1"/>
+          </a:lnRef>
+          <a:fillRef idx="0">
+            <a:schemeClr val="accent1"/>
+          </a:fillRef>
+          <a:effectRef idx="0">
+            <a:schemeClr val="accent1"/>
+          </a:effectRef>
+          <a:fontRef idx="minor">
+            <a:schemeClr val="tx1"/>
+          </a:fontRef>
+        </p:style>
+      </p:cxnSp>
     </p:spTree>
     <p:extLst>
       <p:ext uri="{BB962C8B-B14F-4D97-AF65-F5344CB8AC3E}">
-        <p14:creationId xmlns:p14="http://schemas.microsoft.com/office/powerpoint/2010/main" val="2078597498"/>
+        <p14:creationId xmlns:p14="http://schemas.microsoft.com/office/powerpoint/2010/main" val="668526928"/>
       </p:ext>
     </p:extLst>
   </p:cSld>
@@ -4019,7 +5766,7 @@
           <p:cNvPr id="2" name="标题 1">
             <a:extLst>
               <a:ext uri="{FF2B5EF4-FFF2-40B4-BE49-F238E27FC236}">
-                <a16:creationId xmlns:a16="http://schemas.microsoft.com/office/drawing/2014/main" id="{13475D5B-0631-40B1-934E-28A4DEAABBDA}"/>
+                <a16:creationId xmlns:a16="http://schemas.microsoft.com/office/drawing/2014/main" id="{0A5499C6-33E8-416A-B287-61BD96B8F4C3}"/>
               </a:ext>
             </a:extLst>
           </p:cNvPr>
@@ -4035,10 +5782,7 @@
           <a:bodyPr/>
           <a:lstStyle/>
           <a:p>
-            <a:r>
-              <a:rPr lang="zh-CN" altLang="en-US" dirty="0"/>
-              <a:t>结束</a:t>
-            </a:r>
+            <a:endParaRPr lang="zh-CN" altLang="en-US"/>
           </a:p>
         </p:txBody>
       </p:sp>
@@ -4047,7 +5791,7 @@
           <p:cNvPr id="3" name="内容占位符 2">
             <a:extLst>
               <a:ext uri="{FF2B5EF4-FFF2-40B4-BE49-F238E27FC236}">
-                <a16:creationId xmlns:a16="http://schemas.microsoft.com/office/drawing/2014/main" id="{5FC4E285-A13E-459C-BC3E-663B357A3DA0}"/>
+                <a16:creationId xmlns:a16="http://schemas.microsoft.com/office/drawing/2014/main" id="{442EDE80-C660-42DE-9886-653F3F5B3DB0}"/>
               </a:ext>
             </a:extLst>
           </p:cNvPr>
@@ -4067,10 +5811,1102 @@
           </a:p>
         </p:txBody>
       </p:sp>
+      <p:pic>
+        <p:nvPicPr>
+          <p:cNvPr id="4" name="图片 3">
+            <a:extLst>
+              <a:ext uri="{FF2B5EF4-FFF2-40B4-BE49-F238E27FC236}">
+                <a16:creationId xmlns:a16="http://schemas.microsoft.com/office/drawing/2014/main" id="{0F2A9609-6196-412C-9DCA-865E66424826}"/>
+              </a:ext>
+            </a:extLst>
+          </p:cNvPr>
+          <p:cNvPicPr>
+            <a:picLocks noChangeAspect="1"/>
+          </p:cNvPicPr>
+          <p:nvPr/>
+        </p:nvPicPr>
+        <p:blipFill>
+          <a:blip r:embed="rId2"/>
+          <a:stretch>
+            <a:fillRect/>
+          </a:stretch>
+        </p:blipFill>
+        <p:spPr>
+          <a:xfrm>
+            <a:off x="32899" y="0"/>
+            <a:ext cx="12159101" cy="6858000"/>
+          </a:xfrm>
+          <a:prstGeom prst="rect">
+            <a:avLst/>
+          </a:prstGeom>
+        </p:spPr>
+      </p:pic>
+      <p:sp>
+        <p:nvSpPr>
+          <p:cNvPr id="5" name="文本框 4">
+            <a:extLst>
+              <a:ext uri="{FF2B5EF4-FFF2-40B4-BE49-F238E27FC236}">
+                <a16:creationId xmlns:a16="http://schemas.microsoft.com/office/drawing/2014/main" id="{02E874F8-DD8E-4C33-977B-5038FB4A5488}"/>
+              </a:ext>
+            </a:extLst>
+          </p:cNvPr>
+          <p:cNvSpPr txBox="1"/>
+          <p:nvPr/>
+        </p:nvSpPr>
+        <p:spPr>
+          <a:xfrm>
+            <a:off x="6744877" y="4782680"/>
+            <a:ext cx="2733773" cy="461665"/>
+          </a:xfrm>
+          <a:prstGeom prst="rect">
+            <a:avLst/>
+          </a:prstGeom>
+          <a:noFill/>
+        </p:spPr>
+        <p:txBody>
+          <a:bodyPr wrap="square" rtlCol="0">
+            <a:spAutoFit/>
+          </a:bodyPr>
+          <a:lstStyle/>
+          <a:p>
+            <a:r>
+              <a:rPr lang="zh-CN" altLang="en-US" sz="2400" dirty="0"/>
+              <a:t>玩家</a:t>
+            </a:r>
+            <a:r>
+              <a:rPr lang="en-US" altLang="zh-CN" sz="2400" dirty="0"/>
+              <a:t>(</a:t>
+            </a:r>
+            <a:r>
+              <a:rPr lang="zh-CN" altLang="en-US" sz="2400" dirty="0"/>
+              <a:t>你自己</a:t>
+            </a:r>
+            <a:r>
+              <a:rPr lang="en-US" altLang="zh-CN" sz="2400" dirty="0"/>
+              <a:t>)</a:t>
+            </a:r>
+            <a:endParaRPr lang="zh-CN" altLang="en-US" sz="2400" dirty="0"/>
+          </a:p>
+        </p:txBody>
+      </p:sp>
+      <p:cxnSp>
+        <p:nvCxnSpPr>
+          <p:cNvPr id="6" name="直接箭头连接符 5">
+            <a:extLst>
+              <a:ext uri="{FF2B5EF4-FFF2-40B4-BE49-F238E27FC236}">
+                <a16:creationId xmlns:a16="http://schemas.microsoft.com/office/drawing/2014/main" id="{B87295DA-7997-460B-810F-169197FAFC55}"/>
+              </a:ext>
+            </a:extLst>
+          </p:cNvPr>
+          <p:cNvCxnSpPr>
+            <a:cxnSpLocks/>
+          </p:cNvCxnSpPr>
+          <p:nvPr/>
+        </p:nvCxnSpPr>
+        <p:spPr>
+          <a:xfrm flipH="1" flipV="1">
+            <a:off x="7295561" y="4119898"/>
+            <a:ext cx="89555" cy="704434"/>
+          </a:xfrm>
+          <a:prstGeom prst="straightConnector1">
+            <a:avLst/>
+          </a:prstGeom>
+          <a:ln w="57150">
+            <a:solidFill>
+              <a:srgbClr val="FF0000"/>
+            </a:solidFill>
+            <a:tailEnd type="triangle"/>
+          </a:ln>
+        </p:spPr>
+        <p:style>
+          <a:lnRef idx="1">
+            <a:schemeClr val="accent1"/>
+          </a:lnRef>
+          <a:fillRef idx="0">
+            <a:schemeClr val="accent1"/>
+          </a:fillRef>
+          <a:effectRef idx="0">
+            <a:schemeClr val="accent1"/>
+          </a:effectRef>
+          <a:fontRef idx="minor">
+            <a:schemeClr val="tx1"/>
+          </a:fontRef>
+        </p:style>
+      </p:cxnSp>
+      <p:sp>
+        <p:nvSpPr>
+          <p:cNvPr id="7" name="文本框 6">
+            <a:extLst>
+              <a:ext uri="{FF2B5EF4-FFF2-40B4-BE49-F238E27FC236}">
+                <a16:creationId xmlns:a16="http://schemas.microsoft.com/office/drawing/2014/main" id="{7DF4751F-4A77-40EA-BEB6-8E07C271C453}"/>
+              </a:ext>
+            </a:extLst>
+          </p:cNvPr>
+          <p:cNvSpPr txBox="1"/>
+          <p:nvPr/>
+        </p:nvSpPr>
+        <p:spPr>
+          <a:xfrm>
+            <a:off x="6320671" y="851816"/>
+            <a:ext cx="2733773" cy="461665"/>
+          </a:xfrm>
+          <a:prstGeom prst="rect">
+            <a:avLst/>
+          </a:prstGeom>
+          <a:noFill/>
+        </p:spPr>
+        <p:txBody>
+          <a:bodyPr wrap="square" rtlCol="0">
+            <a:spAutoFit/>
+          </a:bodyPr>
+          <a:lstStyle/>
+          <a:p>
+            <a:r>
+              <a:rPr lang="zh-CN" altLang="en-US" sz="2400" dirty="0"/>
+              <a:t>计分板</a:t>
+            </a:r>
+          </a:p>
+        </p:txBody>
+      </p:sp>
+      <p:cxnSp>
+        <p:nvCxnSpPr>
+          <p:cNvPr id="8" name="直接箭头连接符 7">
+            <a:extLst>
+              <a:ext uri="{FF2B5EF4-FFF2-40B4-BE49-F238E27FC236}">
+                <a16:creationId xmlns:a16="http://schemas.microsoft.com/office/drawing/2014/main" id="{0AED51AB-56BD-4905-B76C-199D641F0803}"/>
+              </a:ext>
+            </a:extLst>
+          </p:cNvPr>
+          <p:cNvCxnSpPr>
+            <a:cxnSpLocks/>
+          </p:cNvCxnSpPr>
+          <p:nvPr/>
+        </p:nvCxnSpPr>
+        <p:spPr>
+          <a:xfrm flipV="1">
+            <a:off x="7429894" y="662443"/>
+            <a:ext cx="1624550" cy="420206"/>
+          </a:xfrm>
+          <a:prstGeom prst="straightConnector1">
+            <a:avLst/>
+          </a:prstGeom>
+          <a:ln w="57150">
+            <a:solidFill>
+              <a:srgbClr val="FF0000"/>
+            </a:solidFill>
+            <a:tailEnd type="triangle"/>
+          </a:ln>
+        </p:spPr>
+        <p:style>
+          <a:lnRef idx="1">
+            <a:schemeClr val="accent1"/>
+          </a:lnRef>
+          <a:fillRef idx="0">
+            <a:schemeClr val="accent1"/>
+          </a:fillRef>
+          <a:effectRef idx="0">
+            <a:schemeClr val="accent1"/>
+          </a:effectRef>
+          <a:fontRef idx="minor">
+            <a:schemeClr val="tx1"/>
+          </a:fontRef>
+        </p:style>
+      </p:cxnSp>
+      <p:sp>
+        <p:nvSpPr>
+          <p:cNvPr id="11" name="文本框 10">
+            <a:extLst>
+              <a:ext uri="{FF2B5EF4-FFF2-40B4-BE49-F238E27FC236}">
+                <a16:creationId xmlns:a16="http://schemas.microsoft.com/office/drawing/2014/main" id="{CBC9F4C7-2BFC-4954-876B-F31F9E24A45D}"/>
+              </a:ext>
+            </a:extLst>
+          </p:cNvPr>
+          <p:cNvSpPr txBox="1"/>
+          <p:nvPr/>
+        </p:nvSpPr>
+        <p:spPr>
+          <a:xfrm>
+            <a:off x="3586898" y="474609"/>
+            <a:ext cx="2733773" cy="461665"/>
+          </a:xfrm>
+          <a:prstGeom prst="rect">
+            <a:avLst/>
+          </a:prstGeom>
+          <a:noFill/>
+        </p:spPr>
+        <p:txBody>
+          <a:bodyPr wrap="square" rtlCol="0">
+            <a:spAutoFit/>
+          </a:bodyPr>
+          <a:lstStyle/>
+          <a:p>
+            <a:r>
+              <a:rPr lang="zh-CN" altLang="en-US" sz="2400" dirty="0"/>
+              <a:t>其他人机</a:t>
+            </a:r>
+          </a:p>
+        </p:txBody>
+      </p:sp>
+      <p:cxnSp>
+        <p:nvCxnSpPr>
+          <p:cNvPr id="12" name="直接箭头连接符 11">
+            <a:extLst>
+              <a:ext uri="{FF2B5EF4-FFF2-40B4-BE49-F238E27FC236}">
+                <a16:creationId xmlns:a16="http://schemas.microsoft.com/office/drawing/2014/main" id="{BF9AA077-7A0E-4A80-AE98-96B8CDF06D89}"/>
+              </a:ext>
+            </a:extLst>
+          </p:cNvPr>
+          <p:cNvCxnSpPr>
+            <a:cxnSpLocks/>
+          </p:cNvCxnSpPr>
+          <p:nvPr/>
+        </p:nvCxnSpPr>
+        <p:spPr>
+          <a:xfrm>
+            <a:off x="4540378" y="1012997"/>
+            <a:ext cx="2204499" cy="867064"/>
+          </a:xfrm>
+          <a:prstGeom prst="straightConnector1">
+            <a:avLst/>
+          </a:prstGeom>
+          <a:ln w="57150">
+            <a:solidFill>
+              <a:srgbClr val="FF0000"/>
+            </a:solidFill>
+            <a:tailEnd type="triangle"/>
+          </a:ln>
+        </p:spPr>
+        <p:style>
+          <a:lnRef idx="1">
+            <a:schemeClr val="accent1"/>
+          </a:lnRef>
+          <a:fillRef idx="0">
+            <a:schemeClr val="accent1"/>
+          </a:fillRef>
+          <a:effectRef idx="0">
+            <a:schemeClr val="accent1"/>
+          </a:effectRef>
+          <a:fontRef idx="minor">
+            <a:schemeClr val="tx1"/>
+          </a:fontRef>
+        </p:style>
+      </p:cxnSp>
+      <p:cxnSp>
+        <p:nvCxnSpPr>
+          <p:cNvPr id="15" name="直接箭头连接符 14">
+            <a:extLst>
+              <a:ext uri="{FF2B5EF4-FFF2-40B4-BE49-F238E27FC236}">
+                <a16:creationId xmlns:a16="http://schemas.microsoft.com/office/drawing/2014/main" id="{74BF75DB-6658-4D39-A95E-0DEA8BD3457C}"/>
+              </a:ext>
+            </a:extLst>
+          </p:cNvPr>
+          <p:cNvCxnSpPr>
+            <a:cxnSpLocks/>
+          </p:cNvCxnSpPr>
+          <p:nvPr/>
+        </p:nvCxnSpPr>
+        <p:spPr>
+          <a:xfrm flipH="1">
+            <a:off x="2988395" y="1006897"/>
+            <a:ext cx="1574178" cy="1849425"/>
+          </a:xfrm>
+          <a:prstGeom prst="straightConnector1">
+            <a:avLst/>
+          </a:prstGeom>
+          <a:ln w="57150">
+            <a:solidFill>
+              <a:srgbClr val="FF0000"/>
+            </a:solidFill>
+            <a:tailEnd type="triangle"/>
+          </a:ln>
+        </p:spPr>
+        <p:style>
+          <a:lnRef idx="1">
+            <a:schemeClr val="accent1"/>
+          </a:lnRef>
+          <a:fillRef idx="0">
+            <a:schemeClr val="accent1"/>
+          </a:fillRef>
+          <a:effectRef idx="0">
+            <a:schemeClr val="accent1"/>
+          </a:effectRef>
+          <a:fontRef idx="minor">
+            <a:schemeClr val="tx1"/>
+          </a:fontRef>
+        </p:style>
+      </p:cxnSp>
+      <p:cxnSp>
+        <p:nvCxnSpPr>
+          <p:cNvPr id="18" name="直接箭头连接符 17">
+            <a:extLst>
+              <a:ext uri="{FF2B5EF4-FFF2-40B4-BE49-F238E27FC236}">
+                <a16:creationId xmlns:a16="http://schemas.microsoft.com/office/drawing/2014/main" id="{37099187-A785-4404-8CE8-F3E98EE0180E}"/>
+              </a:ext>
+            </a:extLst>
+          </p:cNvPr>
+          <p:cNvCxnSpPr>
+            <a:cxnSpLocks/>
+          </p:cNvCxnSpPr>
+          <p:nvPr/>
+        </p:nvCxnSpPr>
+        <p:spPr>
+          <a:xfrm>
+            <a:off x="4540378" y="1012997"/>
+            <a:ext cx="7021007" cy="1799453"/>
+          </a:xfrm>
+          <a:prstGeom prst="straightConnector1">
+            <a:avLst/>
+          </a:prstGeom>
+          <a:ln w="57150">
+            <a:solidFill>
+              <a:srgbClr val="FF0000"/>
+            </a:solidFill>
+            <a:tailEnd type="triangle"/>
+          </a:ln>
+        </p:spPr>
+        <p:style>
+          <a:lnRef idx="1">
+            <a:schemeClr val="accent1"/>
+          </a:lnRef>
+          <a:fillRef idx="0">
+            <a:schemeClr val="accent1"/>
+          </a:fillRef>
+          <a:effectRef idx="0">
+            <a:schemeClr val="accent1"/>
+          </a:effectRef>
+          <a:fontRef idx="minor">
+            <a:schemeClr val="tx1"/>
+          </a:fontRef>
+        </p:style>
+      </p:cxnSp>
+      <p:sp>
+        <p:nvSpPr>
+          <p:cNvPr id="24" name="文本框 23">
+            <a:extLst>
+              <a:ext uri="{FF2B5EF4-FFF2-40B4-BE49-F238E27FC236}">
+                <a16:creationId xmlns:a16="http://schemas.microsoft.com/office/drawing/2014/main" id="{708370BD-ED0B-49B8-9E86-5909F5645F31}"/>
+              </a:ext>
+            </a:extLst>
+          </p:cNvPr>
+          <p:cNvSpPr txBox="1"/>
+          <p:nvPr/>
+        </p:nvSpPr>
+        <p:spPr>
+          <a:xfrm>
+            <a:off x="2468254" y="4824332"/>
+            <a:ext cx="2733773" cy="461665"/>
+          </a:xfrm>
+          <a:prstGeom prst="rect">
+            <a:avLst/>
+          </a:prstGeom>
+          <a:noFill/>
+        </p:spPr>
+        <p:txBody>
+          <a:bodyPr wrap="square" rtlCol="0">
+            <a:spAutoFit/>
+          </a:bodyPr>
+          <a:lstStyle/>
+          <a:p>
+            <a:r>
+              <a:rPr lang="zh-CN" altLang="en-US" sz="2400" dirty="0"/>
+              <a:t>边框</a:t>
+            </a:r>
+          </a:p>
+        </p:txBody>
+      </p:sp>
+      <p:cxnSp>
+        <p:nvCxnSpPr>
+          <p:cNvPr id="25" name="直接箭头连接符 24">
+            <a:extLst>
+              <a:ext uri="{FF2B5EF4-FFF2-40B4-BE49-F238E27FC236}">
+                <a16:creationId xmlns:a16="http://schemas.microsoft.com/office/drawing/2014/main" id="{D8FB4C4C-2A1E-41EF-AE8C-5D259CB7B949}"/>
+              </a:ext>
+            </a:extLst>
+          </p:cNvPr>
+          <p:cNvCxnSpPr>
+            <a:cxnSpLocks/>
+          </p:cNvCxnSpPr>
+          <p:nvPr/>
+        </p:nvCxnSpPr>
+        <p:spPr>
+          <a:xfrm flipH="1" flipV="1">
+            <a:off x="1558761" y="4619134"/>
+            <a:ext cx="979015" cy="353584"/>
+          </a:xfrm>
+          <a:prstGeom prst="straightConnector1">
+            <a:avLst/>
+          </a:prstGeom>
+          <a:ln w="57150">
+            <a:solidFill>
+              <a:srgbClr val="FF0000"/>
+            </a:solidFill>
+            <a:tailEnd type="triangle"/>
+          </a:ln>
+        </p:spPr>
+        <p:style>
+          <a:lnRef idx="1">
+            <a:schemeClr val="accent1"/>
+          </a:lnRef>
+          <a:fillRef idx="0">
+            <a:schemeClr val="accent1"/>
+          </a:fillRef>
+          <a:effectRef idx="0">
+            <a:schemeClr val="accent1"/>
+          </a:effectRef>
+          <a:fontRef idx="minor">
+            <a:schemeClr val="tx1"/>
+          </a:fontRef>
+        </p:style>
+      </p:cxnSp>
     </p:spTree>
     <p:extLst>
       <p:ext uri="{BB962C8B-B14F-4D97-AF65-F5344CB8AC3E}">
-        <p14:creationId xmlns:p14="http://schemas.microsoft.com/office/powerpoint/2010/main" val="4240412989"/>
+        <p14:creationId xmlns:p14="http://schemas.microsoft.com/office/powerpoint/2010/main" val="2649219216"/>
+      </p:ext>
+    </p:extLst>
+  </p:cSld>
+  <p:clrMapOvr>
+    <a:masterClrMapping/>
+  </p:clrMapOvr>
+</p:sld>
+</file>
+
+<file path=ppt/slides/slide9.xml><?xml version="1.0" encoding="utf-8"?>
+<p:sld xmlns:a="http://schemas.openxmlformats.org/drawingml/2006/main" xmlns:r="http://schemas.openxmlformats.org/officeDocument/2006/relationships" xmlns:p="http://schemas.openxmlformats.org/presentationml/2006/main">
+  <p:cSld>
+    <p:spTree>
+      <p:nvGrpSpPr>
+        <p:cNvPr id="1" name=""/>
+        <p:cNvGrpSpPr/>
+        <p:nvPr/>
+      </p:nvGrpSpPr>
+      <p:grpSpPr>
+        <a:xfrm>
+          <a:off x="0" y="0"/>
+          <a:ext cx="0" cy="0"/>
+          <a:chOff x="0" y="0"/>
+          <a:chExt cx="0" cy="0"/>
+        </a:xfrm>
+      </p:grpSpPr>
+      <p:sp>
+        <p:nvSpPr>
+          <p:cNvPr id="2" name="标题 1">
+            <a:extLst>
+              <a:ext uri="{FF2B5EF4-FFF2-40B4-BE49-F238E27FC236}">
+                <a16:creationId xmlns:a16="http://schemas.microsoft.com/office/drawing/2014/main" id="{CDCB5F06-5BEA-438C-AA80-7BEA1C1BAB05}"/>
+              </a:ext>
+            </a:extLst>
+          </p:cNvPr>
+          <p:cNvSpPr>
+            <a:spLocks noGrp="1"/>
+          </p:cNvSpPr>
+          <p:nvPr>
+            <p:ph type="title"/>
+          </p:nvPr>
+        </p:nvSpPr>
+        <p:spPr/>
+        <p:txBody>
+          <a:bodyPr/>
+          <a:lstStyle/>
+          <a:p>
+            <a:endParaRPr lang="zh-CN" altLang="en-US"/>
+          </a:p>
+        </p:txBody>
+      </p:sp>
+      <p:sp>
+        <p:nvSpPr>
+          <p:cNvPr id="3" name="内容占位符 2">
+            <a:extLst>
+              <a:ext uri="{FF2B5EF4-FFF2-40B4-BE49-F238E27FC236}">
+                <a16:creationId xmlns:a16="http://schemas.microsoft.com/office/drawing/2014/main" id="{95751CB5-0993-406C-8A12-7817E9847C4C}"/>
+              </a:ext>
+            </a:extLst>
+          </p:cNvPr>
+          <p:cNvSpPr>
+            <a:spLocks noGrp="1"/>
+          </p:cNvSpPr>
+          <p:nvPr>
+            <p:ph idx="1"/>
+          </p:nvPr>
+        </p:nvSpPr>
+        <p:spPr/>
+        <p:txBody>
+          <a:bodyPr/>
+          <a:lstStyle/>
+          <a:p>
+            <a:endParaRPr lang="zh-CN" altLang="en-US"/>
+          </a:p>
+        </p:txBody>
+      </p:sp>
+      <p:pic>
+        <p:nvPicPr>
+          <p:cNvPr id="4" name="图片 3">
+            <a:extLst>
+              <a:ext uri="{FF2B5EF4-FFF2-40B4-BE49-F238E27FC236}">
+                <a16:creationId xmlns:a16="http://schemas.microsoft.com/office/drawing/2014/main" id="{6D9BCADF-4EFA-49BD-A43D-FC430531C4E6}"/>
+              </a:ext>
+            </a:extLst>
+          </p:cNvPr>
+          <p:cNvPicPr>
+            <a:picLocks noChangeAspect="1"/>
+          </p:cNvPicPr>
+          <p:nvPr/>
+        </p:nvPicPr>
+        <p:blipFill>
+          <a:blip r:embed="rId2"/>
+          <a:stretch>
+            <a:fillRect/>
+          </a:stretch>
+        </p:blipFill>
+        <p:spPr>
+          <a:xfrm>
+            <a:off x="0" y="0"/>
+            <a:ext cx="12214319" cy="6858000"/>
+          </a:xfrm>
+          <a:prstGeom prst="rect">
+            <a:avLst/>
+          </a:prstGeom>
+        </p:spPr>
+      </p:pic>
+      <p:sp>
+        <p:nvSpPr>
+          <p:cNvPr id="5" name="文本框 4">
+            <a:extLst>
+              <a:ext uri="{FF2B5EF4-FFF2-40B4-BE49-F238E27FC236}">
+                <a16:creationId xmlns:a16="http://schemas.microsoft.com/office/drawing/2014/main" id="{E914E3C8-71AC-43F1-8296-D8AEB9C0C953}"/>
+              </a:ext>
+            </a:extLst>
+          </p:cNvPr>
+          <p:cNvSpPr txBox="1"/>
+          <p:nvPr/>
+        </p:nvSpPr>
+        <p:spPr>
+          <a:xfrm>
+            <a:off x="2873607" y="2580752"/>
+            <a:ext cx="2733773" cy="461665"/>
+          </a:xfrm>
+          <a:prstGeom prst="rect">
+            <a:avLst/>
+          </a:prstGeom>
+          <a:noFill/>
+        </p:spPr>
+        <p:txBody>
+          <a:bodyPr wrap="square" rtlCol="0">
+            <a:spAutoFit/>
+          </a:bodyPr>
+          <a:lstStyle/>
+          <a:p>
+            <a:r>
+              <a:rPr lang="zh-CN" altLang="en-US" sz="2400" dirty="0"/>
+              <a:t>左侧玩家边框</a:t>
+            </a:r>
+          </a:p>
+        </p:txBody>
+      </p:sp>
+      <p:cxnSp>
+        <p:nvCxnSpPr>
+          <p:cNvPr id="6" name="直接箭头连接符 5">
+            <a:extLst>
+              <a:ext uri="{FF2B5EF4-FFF2-40B4-BE49-F238E27FC236}">
+                <a16:creationId xmlns:a16="http://schemas.microsoft.com/office/drawing/2014/main" id="{290F6F82-B156-4C69-9242-B425B64AB642}"/>
+              </a:ext>
+            </a:extLst>
+          </p:cNvPr>
+          <p:cNvCxnSpPr>
+            <a:cxnSpLocks/>
+          </p:cNvCxnSpPr>
+          <p:nvPr/>
+        </p:nvCxnSpPr>
+        <p:spPr>
+          <a:xfrm flipH="1" flipV="1">
+            <a:off x="3525625" y="1899715"/>
+            <a:ext cx="115090" cy="732445"/>
+          </a:xfrm>
+          <a:prstGeom prst="straightConnector1">
+            <a:avLst/>
+          </a:prstGeom>
+          <a:ln w="57150">
+            <a:solidFill>
+              <a:srgbClr val="FF0000"/>
+            </a:solidFill>
+            <a:tailEnd type="triangle"/>
+          </a:ln>
+        </p:spPr>
+        <p:style>
+          <a:lnRef idx="1">
+            <a:schemeClr val="accent1"/>
+          </a:lnRef>
+          <a:fillRef idx="0">
+            <a:schemeClr val="accent1"/>
+          </a:fillRef>
+          <a:effectRef idx="0">
+            <a:schemeClr val="accent1"/>
+          </a:effectRef>
+          <a:fontRef idx="minor">
+            <a:schemeClr val="tx1"/>
+          </a:fontRef>
+        </p:style>
+      </p:cxnSp>
+      <p:sp>
+        <p:nvSpPr>
+          <p:cNvPr id="9" name="文本框 8">
+            <a:extLst>
+              <a:ext uri="{FF2B5EF4-FFF2-40B4-BE49-F238E27FC236}">
+                <a16:creationId xmlns:a16="http://schemas.microsoft.com/office/drawing/2014/main" id="{1DE86994-E081-4C5B-B1CB-6603819B3926}"/>
+              </a:ext>
+            </a:extLst>
+          </p:cNvPr>
+          <p:cNvSpPr txBox="1"/>
+          <p:nvPr/>
+        </p:nvSpPr>
+        <p:spPr>
+          <a:xfrm>
+            <a:off x="254526" y="4825903"/>
+            <a:ext cx="2733773" cy="461665"/>
+          </a:xfrm>
+          <a:prstGeom prst="rect">
+            <a:avLst/>
+          </a:prstGeom>
+          <a:noFill/>
+        </p:spPr>
+        <p:txBody>
+          <a:bodyPr wrap="square" rtlCol="0">
+            <a:spAutoFit/>
+          </a:bodyPr>
+          <a:lstStyle/>
+          <a:p>
+            <a:r>
+              <a:rPr lang="zh-CN" altLang="en-US" sz="2400" dirty="0"/>
+              <a:t>左侧玩家</a:t>
+            </a:r>
+          </a:p>
+        </p:txBody>
+      </p:sp>
+      <p:cxnSp>
+        <p:nvCxnSpPr>
+          <p:cNvPr id="10" name="直接箭头连接符 9">
+            <a:extLst>
+              <a:ext uri="{FF2B5EF4-FFF2-40B4-BE49-F238E27FC236}">
+                <a16:creationId xmlns:a16="http://schemas.microsoft.com/office/drawing/2014/main" id="{1420A40A-B47F-49A9-920B-960657B0089E}"/>
+              </a:ext>
+            </a:extLst>
+          </p:cNvPr>
+          <p:cNvCxnSpPr>
+            <a:cxnSpLocks/>
+          </p:cNvCxnSpPr>
+          <p:nvPr/>
+        </p:nvCxnSpPr>
+        <p:spPr>
+          <a:xfrm flipV="1">
+            <a:off x="1021634" y="4144866"/>
+            <a:ext cx="1851973" cy="732446"/>
+          </a:xfrm>
+          <a:prstGeom prst="straightConnector1">
+            <a:avLst/>
+          </a:prstGeom>
+          <a:ln w="57150">
+            <a:solidFill>
+              <a:srgbClr val="FF0000"/>
+            </a:solidFill>
+            <a:tailEnd type="triangle"/>
+          </a:ln>
+        </p:spPr>
+        <p:style>
+          <a:lnRef idx="1">
+            <a:schemeClr val="accent1"/>
+          </a:lnRef>
+          <a:fillRef idx="0">
+            <a:schemeClr val="accent1"/>
+          </a:fillRef>
+          <a:effectRef idx="0">
+            <a:schemeClr val="accent1"/>
+          </a:effectRef>
+          <a:fontRef idx="minor">
+            <a:schemeClr val="tx1"/>
+          </a:fontRef>
+        </p:style>
+      </p:cxnSp>
+      <p:sp>
+        <p:nvSpPr>
+          <p:cNvPr id="12" name="文本框 11">
+            <a:extLst>
+              <a:ext uri="{FF2B5EF4-FFF2-40B4-BE49-F238E27FC236}">
+                <a16:creationId xmlns:a16="http://schemas.microsoft.com/office/drawing/2014/main" id="{ACFB04DC-9CE4-4C06-9B92-7DF1637C4A67}"/>
+              </a:ext>
+            </a:extLst>
+          </p:cNvPr>
+          <p:cNvSpPr txBox="1"/>
+          <p:nvPr/>
+        </p:nvSpPr>
+        <p:spPr>
+          <a:xfrm>
+            <a:off x="9663980" y="4364238"/>
+            <a:ext cx="2733773" cy="461665"/>
+          </a:xfrm>
+          <a:prstGeom prst="rect">
+            <a:avLst/>
+          </a:prstGeom>
+          <a:noFill/>
+        </p:spPr>
+        <p:txBody>
+          <a:bodyPr wrap="square" rtlCol="0">
+            <a:spAutoFit/>
+          </a:bodyPr>
+          <a:lstStyle/>
+          <a:p>
+            <a:r>
+              <a:rPr lang="zh-CN" altLang="en-US" sz="2400" dirty="0"/>
+              <a:t>右侧玩家</a:t>
+            </a:r>
+          </a:p>
+        </p:txBody>
+      </p:sp>
+      <p:cxnSp>
+        <p:nvCxnSpPr>
+          <p:cNvPr id="13" name="直接箭头连接符 12">
+            <a:extLst>
+              <a:ext uri="{FF2B5EF4-FFF2-40B4-BE49-F238E27FC236}">
+                <a16:creationId xmlns:a16="http://schemas.microsoft.com/office/drawing/2014/main" id="{F5F859A9-262E-405F-BFC9-0C5269A4E8C0}"/>
+              </a:ext>
+            </a:extLst>
+          </p:cNvPr>
+          <p:cNvCxnSpPr>
+            <a:cxnSpLocks/>
+          </p:cNvCxnSpPr>
+          <p:nvPr/>
+        </p:nvCxnSpPr>
+        <p:spPr>
+          <a:xfrm flipH="1" flipV="1">
+            <a:off x="8550111" y="3683201"/>
+            <a:ext cx="1880977" cy="732446"/>
+          </a:xfrm>
+          <a:prstGeom prst="straightConnector1">
+            <a:avLst/>
+          </a:prstGeom>
+          <a:ln w="57150">
+            <a:solidFill>
+              <a:srgbClr val="FF0000"/>
+            </a:solidFill>
+            <a:tailEnd type="triangle"/>
+          </a:ln>
+        </p:spPr>
+        <p:style>
+          <a:lnRef idx="1">
+            <a:schemeClr val="accent1"/>
+          </a:lnRef>
+          <a:fillRef idx="0">
+            <a:schemeClr val="accent1"/>
+          </a:fillRef>
+          <a:effectRef idx="0">
+            <a:schemeClr val="accent1"/>
+          </a:effectRef>
+          <a:fontRef idx="minor">
+            <a:schemeClr val="tx1"/>
+          </a:fontRef>
+        </p:style>
+      </p:cxnSp>
+      <p:sp>
+        <p:nvSpPr>
+          <p:cNvPr id="15" name="文本框 14">
+            <a:extLst>
+              <a:ext uri="{FF2B5EF4-FFF2-40B4-BE49-F238E27FC236}">
+                <a16:creationId xmlns:a16="http://schemas.microsoft.com/office/drawing/2014/main" id="{C6EA514E-99FC-43FD-B773-0CDFB191AD1F}"/>
+              </a:ext>
+            </a:extLst>
+          </p:cNvPr>
+          <p:cNvSpPr txBox="1"/>
+          <p:nvPr/>
+        </p:nvSpPr>
+        <p:spPr>
+          <a:xfrm>
+            <a:off x="6372522" y="1186805"/>
+            <a:ext cx="2733773" cy="461665"/>
+          </a:xfrm>
+          <a:prstGeom prst="rect">
+            <a:avLst/>
+          </a:prstGeom>
+          <a:noFill/>
+        </p:spPr>
+        <p:txBody>
+          <a:bodyPr wrap="square" rtlCol="0">
+            <a:spAutoFit/>
+          </a:bodyPr>
+          <a:lstStyle/>
+          <a:p>
+            <a:r>
+              <a:rPr lang="zh-CN" altLang="en-US" sz="2400" dirty="0"/>
+              <a:t>总计分板</a:t>
+            </a:r>
+          </a:p>
+        </p:txBody>
+      </p:sp>
+      <p:cxnSp>
+        <p:nvCxnSpPr>
+          <p:cNvPr id="16" name="直接箭头连接符 15">
+            <a:extLst>
+              <a:ext uri="{FF2B5EF4-FFF2-40B4-BE49-F238E27FC236}">
+                <a16:creationId xmlns:a16="http://schemas.microsoft.com/office/drawing/2014/main" id="{7FBD7D6C-9202-4436-824D-9C7B3B461812}"/>
+              </a:ext>
+            </a:extLst>
+          </p:cNvPr>
+          <p:cNvCxnSpPr>
+            <a:cxnSpLocks/>
+          </p:cNvCxnSpPr>
+          <p:nvPr/>
+        </p:nvCxnSpPr>
+        <p:spPr>
+          <a:xfrm flipV="1">
+            <a:off x="7827003" y="876787"/>
+            <a:ext cx="1185022" cy="526751"/>
+          </a:xfrm>
+          <a:prstGeom prst="straightConnector1">
+            <a:avLst/>
+          </a:prstGeom>
+          <a:ln w="57150">
+            <a:solidFill>
+              <a:srgbClr val="FF0000"/>
+            </a:solidFill>
+            <a:tailEnd type="triangle"/>
+          </a:ln>
+        </p:spPr>
+        <p:style>
+          <a:lnRef idx="1">
+            <a:schemeClr val="accent1"/>
+          </a:lnRef>
+          <a:fillRef idx="0">
+            <a:schemeClr val="accent1"/>
+          </a:fillRef>
+          <a:effectRef idx="0">
+            <a:schemeClr val="accent1"/>
+          </a:effectRef>
+          <a:fontRef idx="minor">
+            <a:schemeClr val="tx1"/>
+          </a:fontRef>
+        </p:style>
+      </p:cxnSp>
+      <p:sp>
+        <p:nvSpPr>
+          <p:cNvPr id="19" name="文本框 18">
+            <a:extLst>
+              <a:ext uri="{FF2B5EF4-FFF2-40B4-BE49-F238E27FC236}">
+                <a16:creationId xmlns:a16="http://schemas.microsoft.com/office/drawing/2014/main" id="{6073E2B2-A300-46C9-A256-B7EB1AADFD71}"/>
+              </a:ext>
+            </a:extLst>
+          </p:cNvPr>
+          <p:cNvSpPr txBox="1"/>
+          <p:nvPr/>
+        </p:nvSpPr>
+        <p:spPr>
+          <a:xfrm>
+            <a:off x="3061355" y="5457965"/>
+            <a:ext cx="2733773" cy="461665"/>
+          </a:xfrm>
+          <a:prstGeom prst="rect">
+            <a:avLst/>
+          </a:prstGeom>
+          <a:noFill/>
+        </p:spPr>
+        <p:txBody>
+          <a:bodyPr wrap="square" rtlCol="0">
+            <a:spAutoFit/>
+          </a:bodyPr>
+          <a:lstStyle/>
+          <a:p>
+            <a:r>
+              <a:rPr lang="zh-CN" altLang="en-US" sz="2400" dirty="0"/>
+              <a:t>分割线</a:t>
+            </a:r>
+            <a:r>
+              <a:rPr lang="en-US" altLang="zh-CN" sz="2400" dirty="0"/>
+              <a:t>(</a:t>
+            </a:r>
+            <a:r>
+              <a:rPr lang="zh-CN" altLang="en-US" sz="2400" dirty="0"/>
+              <a:t>看不见</a:t>
+            </a:r>
+          </a:p>
+        </p:txBody>
+      </p:sp>
+      <p:cxnSp>
+        <p:nvCxnSpPr>
+          <p:cNvPr id="20" name="直接箭头连接符 19">
+            <a:extLst>
+              <a:ext uri="{FF2B5EF4-FFF2-40B4-BE49-F238E27FC236}">
+                <a16:creationId xmlns:a16="http://schemas.microsoft.com/office/drawing/2014/main" id="{A9C15C13-F6AE-4EAE-92C5-0F1380A32B04}"/>
+              </a:ext>
+            </a:extLst>
+          </p:cNvPr>
+          <p:cNvCxnSpPr>
+            <a:cxnSpLocks/>
+          </p:cNvCxnSpPr>
+          <p:nvPr/>
+        </p:nvCxnSpPr>
+        <p:spPr>
+          <a:xfrm flipV="1">
+            <a:off x="5005633" y="2891739"/>
+            <a:ext cx="1090367" cy="2556786"/>
+          </a:xfrm>
+          <a:prstGeom prst="straightConnector1">
+            <a:avLst/>
+          </a:prstGeom>
+          <a:ln w="57150">
+            <a:solidFill>
+              <a:srgbClr val="FF0000"/>
+            </a:solidFill>
+            <a:tailEnd type="triangle"/>
+          </a:ln>
+        </p:spPr>
+        <p:style>
+          <a:lnRef idx="1">
+            <a:schemeClr val="accent1"/>
+          </a:lnRef>
+          <a:fillRef idx="0">
+            <a:schemeClr val="accent1"/>
+          </a:fillRef>
+          <a:effectRef idx="0">
+            <a:schemeClr val="accent1"/>
+          </a:effectRef>
+          <a:fontRef idx="minor">
+            <a:schemeClr val="tx1"/>
+          </a:fontRef>
+        </p:style>
+      </p:cxnSp>
+      <p:cxnSp>
+        <p:nvCxnSpPr>
+          <p:cNvPr id="22" name="直接箭头连接符 21">
+            <a:extLst>
+              <a:ext uri="{FF2B5EF4-FFF2-40B4-BE49-F238E27FC236}">
+                <a16:creationId xmlns:a16="http://schemas.microsoft.com/office/drawing/2014/main" id="{30CA50C0-C1AB-4083-AD6A-F20E92E9ED18}"/>
+              </a:ext>
+            </a:extLst>
+          </p:cNvPr>
+          <p:cNvCxnSpPr>
+            <a:cxnSpLocks/>
+          </p:cNvCxnSpPr>
+          <p:nvPr/>
+        </p:nvCxnSpPr>
+        <p:spPr>
+          <a:xfrm flipV="1">
+            <a:off x="5096762" y="4049425"/>
+            <a:ext cx="999238" cy="1474288"/>
+          </a:xfrm>
+          <a:prstGeom prst="straightConnector1">
+            <a:avLst/>
+          </a:prstGeom>
+          <a:ln w="57150">
+            <a:solidFill>
+              <a:srgbClr val="FF0000"/>
+            </a:solidFill>
+            <a:tailEnd type="triangle"/>
+          </a:ln>
+        </p:spPr>
+        <p:style>
+          <a:lnRef idx="1">
+            <a:schemeClr val="accent1"/>
+          </a:lnRef>
+          <a:fillRef idx="0">
+            <a:schemeClr val="accent1"/>
+          </a:fillRef>
+          <a:effectRef idx="0">
+            <a:schemeClr val="accent1"/>
+          </a:effectRef>
+          <a:fontRef idx="minor">
+            <a:schemeClr val="tx1"/>
+          </a:fontRef>
+        </p:style>
+      </p:cxnSp>
+      <p:cxnSp>
+        <p:nvCxnSpPr>
+          <p:cNvPr id="23" name="直接箭头连接符 22">
+            <a:extLst>
+              <a:ext uri="{FF2B5EF4-FFF2-40B4-BE49-F238E27FC236}">
+                <a16:creationId xmlns:a16="http://schemas.microsoft.com/office/drawing/2014/main" id="{2A222320-7CCD-4976-8ED5-D387D7FE2F55}"/>
+              </a:ext>
+            </a:extLst>
+          </p:cNvPr>
+          <p:cNvCxnSpPr>
+            <a:cxnSpLocks/>
+          </p:cNvCxnSpPr>
+          <p:nvPr/>
+        </p:nvCxnSpPr>
+        <p:spPr>
+          <a:xfrm>
+            <a:off x="5096762" y="5642068"/>
+            <a:ext cx="926966" cy="416540"/>
+          </a:xfrm>
+          <a:prstGeom prst="straightConnector1">
+            <a:avLst/>
+          </a:prstGeom>
+          <a:ln w="57150">
+            <a:solidFill>
+              <a:srgbClr val="FF0000"/>
+            </a:solidFill>
+            <a:tailEnd type="triangle"/>
+          </a:ln>
+        </p:spPr>
+        <p:style>
+          <a:lnRef idx="1">
+            <a:schemeClr val="accent1"/>
+          </a:lnRef>
+          <a:fillRef idx="0">
+            <a:schemeClr val="accent1"/>
+          </a:fillRef>
+          <a:effectRef idx="0">
+            <a:schemeClr val="accent1"/>
+          </a:effectRef>
+          <a:fontRef idx="minor">
+            <a:schemeClr val="tx1"/>
+          </a:fontRef>
+        </p:style>
+      </p:cxnSp>
+      <p:cxnSp>
+        <p:nvCxnSpPr>
+          <p:cNvPr id="24" name="直接箭头连接符 23">
+            <a:extLst>
+              <a:ext uri="{FF2B5EF4-FFF2-40B4-BE49-F238E27FC236}">
+                <a16:creationId xmlns:a16="http://schemas.microsoft.com/office/drawing/2014/main" id="{5781CBFE-A807-495A-98C3-453BB7DAA303}"/>
+              </a:ext>
+            </a:extLst>
+          </p:cNvPr>
+          <p:cNvCxnSpPr>
+            <a:cxnSpLocks/>
+          </p:cNvCxnSpPr>
+          <p:nvPr/>
+        </p:nvCxnSpPr>
+        <p:spPr>
+          <a:xfrm>
+            <a:off x="5096762" y="5831377"/>
+            <a:ext cx="999238" cy="643771"/>
+          </a:xfrm>
+          <a:prstGeom prst="straightConnector1">
+            <a:avLst/>
+          </a:prstGeom>
+          <a:ln w="57150">
+            <a:solidFill>
+              <a:srgbClr val="FF0000"/>
+            </a:solidFill>
+            <a:tailEnd type="triangle"/>
+          </a:ln>
+        </p:spPr>
+        <p:style>
+          <a:lnRef idx="1">
+            <a:schemeClr val="accent1"/>
+          </a:lnRef>
+          <a:fillRef idx="0">
+            <a:schemeClr val="accent1"/>
+          </a:fillRef>
+          <a:effectRef idx="0">
+            <a:schemeClr val="accent1"/>
+          </a:effectRef>
+          <a:fontRef idx="minor">
+            <a:schemeClr val="tx1"/>
+          </a:fontRef>
+        </p:style>
+      </p:cxnSp>
+    </p:spTree>
+    <p:extLst>
+      <p:ext uri="{BB962C8B-B14F-4D97-AF65-F5344CB8AC3E}">
+        <p14:creationId xmlns:p14="http://schemas.microsoft.com/office/powerpoint/2010/main" val="3901777486"/>
       </p:ext>
     </p:extLst>
   </p:cSld>

--- a/ppt/Java-paprtio.pptx
+++ b/ppt/Java-paprtio.pptx
@@ -3600,6 +3600,35 @@
           <a:chExt cx="0" cy="0"/>
         </a:xfrm>
       </p:grpSpPr>
+      <p:pic>
+        <p:nvPicPr>
+          <p:cNvPr id="15" name="图片 14">
+            <a:extLst>
+              <a:ext uri="{FF2B5EF4-FFF2-40B4-BE49-F238E27FC236}">
+                <a16:creationId xmlns:a16="http://schemas.microsoft.com/office/drawing/2014/main" id="{A170994A-8DBA-4632-BD9A-320BAB9CCE05}"/>
+              </a:ext>
+            </a:extLst>
+          </p:cNvPr>
+          <p:cNvPicPr>
+            <a:picLocks noChangeAspect="1"/>
+          </p:cNvPicPr>
+          <p:nvPr/>
+        </p:nvPicPr>
+        <p:blipFill rotWithShape="1">
+          <a:blip r:embed="rId2"/>
+          <a:srcRect t="3238"/>
+          <a:stretch/>
+        </p:blipFill>
+        <p:spPr>
+          <a:xfrm>
+            <a:off x="7692271" y="546772"/>
+            <a:ext cx="2726387" cy="2300121"/>
+          </a:xfrm>
+          <a:prstGeom prst="rect">
+            <a:avLst/>
+          </a:prstGeom>
+        </p:spPr>
+      </p:pic>
       <p:sp>
         <p:nvSpPr>
           <p:cNvPr id="2" name="标题 1">
@@ -3646,10 +3675,412 @@
         </p:nvSpPr>
         <p:spPr/>
         <p:txBody>
-          <a:bodyPr/>
-          <a:lstStyle/>
-          <a:p>
-            <a:endParaRPr lang="zh-CN" altLang="en-US" dirty="0"/>
+          <a:bodyPr>
+            <a:normAutofit/>
+          </a:bodyPr>
+          <a:lstStyle/>
+          <a:p>
+            <a:r>
+              <a:rPr lang="zh-CN" altLang="en-US" sz="2000" dirty="0"/>
+              <a:t>通过</a:t>
+            </a:r>
+            <a:r>
+              <a:rPr lang="en-US" altLang="zh-CN" sz="2000" dirty="0"/>
+              <a:t>DFS</a:t>
+            </a:r>
+            <a:r>
+              <a:rPr lang="zh-CN" altLang="en-US" sz="2000" dirty="0"/>
+              <a:t>算法完成“圈地”的过程。</a:t>
+            </a:r>
+            <a:endParaRPr lang="en-US" altLang="zh-CN" sz="2000" dirty="0"/>
+          </a:p>
+          <a:p>
+            <a:pPr marL="0" indent="0">
+              <a:buNone/>
+            </a:pPr>
+            <a:r>
+              <a:rPr lang="zh-CN" altLang="en-US" sz="2000" dirty="0"/>
+              <a:t>如右上角的这个图，算法过程则如下</a:t>
+            </a:r>
+            <a:r>
+              <a:rPr lang="en-US" altLang="zh-CN" sz="2000" dirty="0"/>
+              <a:t>:</a:t>
+            </a:r>
+          </a:p>
+          <a:p>
+            <a:pPr marL="0" indent="0">
+              <a:buNone/>
+            </a:pPr>
+            <a:r>
+              <a:rPr lang="en-US" altLang="zh-CN" sz="2000" dirty="0"/>
+              <a:t>1)</a:t>
+            </a:r>
+            <a:r>
+              <a:rPr lang="zh-CN" altLang="en-US" sz="2000" dirty="0"/>
+              <a:t>首先确定能将其放下的最小的矩形，也就是如</a:t>
+            </a:r>
+            <a:endParaRPr lang="en-US" altLang="zh-CN" sz="2000" dirty="0"/>
+          </a:p>
+          <a:p>
+            <a:pPr marL="0" indent="0">
+              <a:buNone/>
+            </a:pPr>
+            <a:r>
+              <a:rPr lang="zh-CN" altLang="en-US" sz="2000" dirty="0"/>
+              <a:t>图所示的蓝色矩形</a:t>
+            </a:r>
+            <a:r>
+              <a:rPr lang="en-US" altLang="zh-CN" sz="2000" dirty="0"/>
+              <a:t>(</a:t>
+            </a:r>
+            <a:r>
+              <a:rPr lang="zh-CN" altLang="en-US" sz="2000" dirty="0"/>
+              <a:t>忽略那个黄色方块，方便讲解这样设计</a:t>
+            </a:r>
+            <a:r>
+              <a:rPr lang="en-US" altLang="zh-CN" sz="2000" dirty="0"/>
+              <a:t>)</a:t>
+            </a:r>
+          </a:p>
+          <a:p>
+            <a:pPr marL="0" indent="0">
+              <a:buNone/>
+            </a:pPr>
+            <a:r>
+              <a:rPr lang="en-US" altLang="zh-CN" sz="2000" dirty="0"/>
+              <a:t>2)</a:t>
+            </a:r>
+            <a:r>
+              <a:rPr lang="zh-CN" altLang="en-US" sz="2000" dirty="0"/>
+              <a:t>然后根据玩家的头部、身体、领地作为分界线将这个矩形划分为四个区域如上图。</a:t>
+            </a:r>
+            <a:endParaRPr lang="en-US" altLang="zh-CN" sz="2000" dirty="0"/>
+          </a:p>
+          <a:p>
+            <a:pPr marL="0" indent="0">
+              <a:buNone/>
+            </a:pPr>
+            <a:r>
+              <a:rPr lang="en-US" altLang="zh-CN" sz="2000" dirty="0"/>
+              <a:t>3)</a:t>
+            </a:r>
+            <a:r>
+              <a:rPr lang="zh-CN" altLang="en-US" sz="2000" dirty="0"/>
+              <a:t>然后对矩形内每一个非玩家头部、身体、领地的方块进行</a:t>
+            </a:r>
+            <a:r>
+              <a:rPr lang="en-US" altLang="zh-CN" sz="2000" dirty="0"/>
+              <a:t>DFS</a:t>
+            </a:r>
+            <a:r>
+              <a:rPr lang="zh-CN" altLang="en-US" sz="2000" dirty="0"/>
+              <a:t>，直到每个区域被遍历完，然后判断该区域是否包含边框，也就是是否邻接蓝色矩形。如果邻接，则判断为外部方块，不进行染色，如果某区域没有邻接外部边框，则该区域判断为内部区域，进行染色。如上图的④区域</a:t>
+            </a:r>
+            <a:endParaRPr lang="en-US" altLang="zh-CN" sz="2000" dirty="0"/>
+          </a:p>
+          <a:p>
+            <a:pPr marL="0" indent="0">
+              <a:buNone/>
+            </a:pPr>
+            <a:r>
+              <a:rPr lang="en-US" altLang="zh-CN" sz="2000" dirty="0"/>
+              <a:t>4)</a:t>
+            </a:r>
+            <a:r>
+              <a:rPr lang="zh-CN" altLang="en-US" sz="2000" dirty="0"/>
+              <a:t>这就完成了一个“圈地”的过程</a:t>
+            </a:r>
+            <a:endParaRPr lang="zh-CN" altLang="en-US" sz="2400" dirty="0"/>
+          </a:p>
+        </p:txBody>
+      </p:sp>
+      <p:cxnSp>
+        <p:nvCxnSpPr>
+          <p:cNvPr id="7" name="直接连接符 6">
+            <a:extLst>
+              <a:ext uri="{FF2B5EF4-FFF2-40B4-BE49-F238E27FC236}">
+                <a16:creationId xmlns:a16="http://schemas.microsoft.com/office/drawing/2014/main" id="{614FB5C9-E938-409B-BE6B-52D0CCA0050B}"/>
+              </a:ext>
+            </a:extLst>
+          </p:cNvPr>
+          <p:cNvCxnSpPr>
+            <a:cxnSpLocks/>
+          </p:cNvCxnSpPr>
+          <p:nvPr/>
+        </p:nvCxnSpPr>
+        <p:spPr>
+          <a:xfrm>
+            <a:off x="7673418" y="540617"/>
+            <a:ext cx="18853" cy="2306276"/>
+          </a:xfrm>
+          <a:prstGeom prst="line">
+            <a:avLst/>
+          </a:prstGeom>
+        </p:spPr>
+        <p:style>
+          <a:lnRef idx="1">
+            <a:schemeClr val="accent1"/>
+          </a:lnRef>
+          <a:fillRef idx="0">
+            <a:schemeClr val="accent1"/>
+          </a:fillRef>
+          <a:effectRef idx="0">
+            <a:schemeClr val="accent1"/>
+          </a:effectRef>
+          <a:fontRef idx="minor">
+            <a:schemeClr val="tx1"/>
+          </a:fontRef>
+        </p:style>
+      </p:cxnSp>
+      <p:cxnSp>
+        <p:nvCxnSpPr>
+          <p:cNvPr id="8" name="直接连接符 7">
+            <a:extLst>
+              <a:ext uri="{FF2B5EF4-FFF2-40B4-BE49-F238E27FC236}">
+                <a16:creationId xmlns:a16="http://schemas.microsoft.com/office/drawing/2014/main" id="{A8F9CA47-A65D-49E2-B6F4-D7D15D3DC71D}"/>
+              </a:ext>
+            </a:extLst>
+          </p:cNvPr>
+          <p:cNvCxnSpPr>
+            <a:cxnSpLocks/>
+          </p:cNvCxnSpPr>
+          <p:nvPr/>
+        </p:nvCxnSpPr>
+        <p:spPr>
+          <a:xfrm flipH="1">
+            <a:off x="7673421" y="2846893"/>
+            <a:ext cx="2745237" cy="9429"/>
+          </a:xfrm>
+          <a:prstGeom prst="line">
+            <a:avLst/>
+          </a:prstGeom>
+        </p:spPr>
+        <p:style>
+          <a:lnRef idx="1">
+            <a:schemeClr val="accent1"/>
+          </a:lnRef>
+          <a:fillRef idx="0">
+            <a:schemeClr val="accent1"/>
+          </a:fillRef>
+          <a:effectRef idx="0">
+            <a:schemeClr val="accent1"/>
+          </a:effectRef>
+          <a:fontRef idx="minor">
+            <a:schemeClr val="tx1"/>
+          </a:fontRef>
+        </p:style>
+      </p:cxnSp>
+      <p:cxnSp>
+        <p:nvCxnSpPr>
+          <p:cNvPr id="10" name="直接连接符 9">
+            <a:extLst>
+              <a:ext uri="{FF2B5EF4-FFF2-40B4-BE49-F238E27FC236}">
+                <a16:creationId xmlns:a16="http://schemas.microsoft.com/office/drawing/2014/main" id="{7CFDD4B9-9A2E-4CE9-86A8-1FC2222E4F0C}"/>
+              </a:ext>
+            </a:extLst>
+          </p:cNvPr>
+          <p:cNvCxnSpPr/>
+          <p:nvPr/>
+        </p:nvCxnSpPr>
+        <p:spPr>
+          <a:xfrm>
+            <a:off x="10418658" y="556181"/>
+            <a:ext cx="0" cy="2300141"/>
+          </a:xfrm>
+          <a:prstGeom prst="line">
+            <a:avLst/>
+          </a:prstGeom>
+        </p:spPr>
+        <p:style>
+          <a:lnRef idx="1">
+            <a:schemeClr val="accent1"/>
+          </a:lnRef>
+          <a:fillRef idx="0">
+            <a:schemeClr val="accent1"/>
+          </a:fillRef>
+          <a:effectRef idx="0">
+            <a:schemeClr val="accent1"/>
+          </a:effectRef>
+          <a:fontRef idx="minor">
+            <a:schemeClr val="tx1"/>
+          </a:fontRef>
+        </p:style>
+      </p:cxnSp>
+      <p:cxnSp>
+        <p:nvCxnSpPr>
+          <p:cNvPr id="12" name="直接连接符 11">
+            <a:extLst>
+              <a:ext uri="{FF2B5EF4-FFF2-40B4-BE49-F238E27FC236}">
+                <a16:creationId xmlns:a16="http://schemas.microsoft.com/office/drawing/2014/main" id="{F2A4353E-398C-432E-9E7A-85CB689C7B83}"/>
+              </a:ext>
+            </a:extLst>
+          </p:cNvPr>
+          <p:cNvCxnSpPr>
+            <a:cxnSpLocks/>
+          </p:cNvCxnSpPr>
+          <p:nvPr/>
+        </p:nvCxnSpPr>
+        <p:spPr>
+          <a:xfrm flipH="1">
+            <a:off x="7673418" y="546752"/>
+            <a:ext cx="2745240" cy="0"/>
+          </a:xfrm>
+          <a:prstGeom prst="line">
+            <a:avLst/>
+          </a:prstGeom>
+        </p:spPr>
+        <p:style>
+          <a:lnRef idx="1">
+            <a:schemeClr val="accent1"/>
+          </a:lnRef>
+          <a:fillRef idx="0">
+            <a:schemeClr val="accent1"/>
+          </a:fillRef>
+          <a:effectRef idx="0">
+            <a:schemeClr val="accent1"/>
+          </a:effectRef>
+          <a:fontRef idx="minor">
+            <a:schemeClr val="tx1"/>
+          </a:fontRef>
+        </p:style>
+      </p:cxnSp>
+      <p:sp>
+        <p:nvSpPr>
+          <p:cNvPr id="19" name="文本框 18">
+            <a:extLst>
+              <a:ext uri="{FF2B5EF4-FFF2-40B4-BE49-F238E27FC236}">
+                <a16:creationId xmlns:a16="http://schemas.microsoft.com/office/drawing/2014/main" id="{54793845-1E3C-4802-8DBA-CC540E78E9F7}"/>
+              </a:ext>
+            </a:extLst>
+          </p:cNvPr>
+          <p:cNvSpPr txBox="1"/>
+          <p:nvPr/>
+        </p:nvSpPr>
+        <p:spPr>
+          <a:xfrm>
+            <a:off x="7748831" y="687942"/>
+            <a:ext cx="358219" cy="369332"/>
+          </a:xfrm>
+          <a:prstGeom prst="rect">
+            <a:avLst/>
+          </a:prstGeom>
+          <a:noFill/>
+        </p:spPr>
+        <p:txBody>
+          <a:bodyPr wrap="square" rtlCol="0">
+            <a:spAutoFit/>
+          </a:bodyPr>
+          <a:lstStyle/>
+          <a:p>
+            <a:r>
+              <a:rPr lang="zh-CN" altLang="en-US" dirty="0"/>
+              <a:t>①</a:t>
+            </a:r>
+          </a:p>
+        </p:txBody>
+      </p:sp>
+      <p:sp>
+        <p:nvSpPr>
+          <p:cNvPr id="20" name="文本框 19">
+            <a:extLst>
+              <a:ext uri="{FF2B5EF4-FFF2-40B4-BE49-F238E27FC236}">
+                <a16:creationId xmlns:a16="http://schemas.microsoft.com/office/drawing/2014/main" id="{75A30900-7F58-4B91-99E8-41642FF06280}"/>
+              </a:ext>
+            </a:extLst>
+          </p:cNvPr>
+          <p:cNvSpPr txBox="1"/>
+          <p:nvPr/>
+        </p:nvSpPr>
+        <p:spPr>
+          <a:xfrm>
+            <a:off x="8107050" y="2151593"/>
+            <a:ext cx="358219" cy="369332"/>
+          </a:xfrm>
+          <a:prstGeom prst="rect">
+            <a:avLst/>
+          </a:prstGeom>
+          <a:noFill/>
+        </p:spPr>
+        <p:txBody>
+          <a:bodyPr wrap="square" rtlCol="0">
+            <a:spAutoFit/>
+          </a:bodyPr>
+          <a:lstStyle/>
+          <a:p>
+            <a:r>
+              <a:rPr lang="zh-CN" altLang="en-US" dirty="0"/>
+              <a:t>②</a:t>
+            </a:r>
+          </a:p>
+        </p:txBody>
+      </p:sp>
+      <p:sp>
+        <p:nvSpPr>
+          <p:cNvPr id="21" name="文本框 20">
+            <a:extLst>
+              <a:ext uri="{FF2B5EF4-FFF2-40B4-BE49-F238E27FC236}">
+                <a16:creationId xmlns:a16="http://schemas.microsoft.com/office/drawing/2014/main" id="{D850E682-C269-47FB-8B87-91F9D629EEF9}"/>
+              </a:ext>
+            </a:extLst>
+          </p:cNvPr>
+          <p:cNvSpPr txBox="1"/>
+          <p:nvPr/>
+        </p:nvSpPr>
+        <p:spPr>
+          <a:xfrm>
+            <a:off x="9890757" y="728380"/>
+            <a:ext cx="358219" cy="369332"/>
+          </a:xfrm>
+          <a:prstGeom prst="rect">
+            <a:avLst/>
+          </a:prstGeom>
+          <a:noFill/>
+        </p:spPr>
+        <p:txBody>
+          <a:bodyPr wrap="square" rtlCol="0">
+            <a:spAutoFit/>
+          </a:bodyPr>
+          <a:lstStyle/>
+          <a:p>
+            <a:r>
+              <a:rPr lang="zh-CN" altLang="en-US" dirty="0"/>
+              <a:t>③</a:t>
+            </a:r>
+          </a:p>
+        </p:txBody>
+      </p:sp>
+      <p:sp>
+        <p:nvSpPr>
+          <p:cNvPr id="22" name="文本框 21">
+            <a:extLst>
+              <a:ext uri="{FF2B5EF4-FFF2-40B4-BE49-F238E27FC236}">
+                <a16:creationId xmlns:a16="http://schemas.microsoft.com/office/drawing/2014/main" id="{92019955-0F02-45A4-BC42-D610DC909394}"/>
+              </a:ext>
+            </a:extLst>
+          </p:cNvPr>
+          <p:cNvSpPr txBox="1"/>
+          <p:nvPr/>
+        </p:nvSpPr>
+        <p:spPr>
+          <a:xfrm>
+            <a:off x="8866928" y="913046"/>
+            <a:ext cx="358219" cy="369332"/>
+          </a:xfrm>
+          <a:prstGeom prst="rect">
+            <a:avLst/>
+          </a:prstGeom>
+          <a:noFill/>
+        </p:spPr>
+        <p:txBody>
+          <a:bodyPr wrap="square" rtlCol="0">
+            <a:spAutoFit/>
+          </a:bodyPr>
+          <a:lstStyle/>
+          <a:p>
+            <a:r>
+              <a:rPr lang="zh-CN" altLang="en-US" dirty="0"/>
+              <a:t>④</a:t>
+            </a:r>
           </a:p>
         </p:txBody>
       </p:sp>
@@ -4068,13 +4499,219 @@
         </p:nvSpPr>
         <p:spPr/>
         <p:txBody>
-          <a:bodyPr/>
-          <a:lstStyle/>
-          <a:p>
-            <a:endParaRPr lang="zh-CN" altLang="en-US" dirty="0"/>
-          </a:p>
-        </p:txBody>
-      </p:sp>
+          <a:bodyPr>
+            <a:normAutofit/>
+          </a:bodyPr>
+          <a:lstStyle/>
+          <a:p>
+            <a:r>
+              <a:rPr lang="zh-CN" altLang="en-US" sz="2400" dirty="0"/>
+              <a:t>玩家拥有头部、身体、领地三部分，其中头部用于控制方向，占一个方块，身体则是头部的延伸，可看上图，当头部重新抵达自己的领地时，自己身体围起来的地方就变成自己的领地了。然后判断死亡则是，如果别的玩家的头部碰到了你的身体，你就等于被杀死了，你也可以用头部去杀死别人。同时，当你的头部在你自己的领地中运动时，是不存在身体的，也就是别人无法在你的领地里把你杀死。同时别人可以进入你的领地，如果他没有被杀死并且用身体在你的领地里绕了一圈。则在他回到自己领地后，被他身体围起来的地方就被划分为他的领地了。就这样进行竞争，同时总的游戏区域有限，所以谁占领区域占总区域百分比最高，谁就分数最高。</a:t>
+            </a:r>
+          </a:p>
+        </p:txBody>
+      </p:sp>
+      <p:pic>
+        <p:nvPicPr>
+          <p:cNvPr id="4" name="图片 3">
+            <a:extLst>
+              <a:ext uri="{FF2B5EF4-FFF2-40B4-BE49-F238E27FC236}">
+                <a16:creationId xmlns:a16="http://schemas.microsoft.com/office/drawing/2014/main" id="{96C35725-3108-4FFE-87AB-BE4830834B80}"/>
+              </a:ext>
+            </a:extLst>
+          </p:cNvPr>
+          <p:cNvPicPr>
+            <a:picLocks noChangeAspect="1"/>
+          </p:cNvPicPr>
+          <p:nvPr/>
+        </p:nvPicPr>
+        <p:blipFill>
+          <a:blip r:embed="rId2"/>
+          <a:stretch>
+            <a:fillRect/>
+          </a:stretch>
+        </p:blipFill>
+        <p:spPr>
+          <a:xfrm>
+            <a:off x="3318235" y="-11471"/>
+            <a:ext cx="2265575" cy="1769628"/>
+          </a:xfrm>
+          <a:prstGeom prst="rect">
+            <a:avLst/>
+          </a:prstGeom>
+        </p:spPr>
+      </p:pic>
+      <p:sp>
+        <p:nvSpPr>
+          <p:cNvPr id="5" name="文本框 4">
+            <a:extLst>
+              <a:ext uri="{FF2B5EF4-FFF2-40B4-BE49-F238E27FC236}">
+                <a16:creationId xmlns:a16="http://schemas.microsoft.com/office/drawing/2014/main" id="{3995332A-55A3-487C-98E7-96D978B0F55D}"/>
+              </a:ext>
+            </a:extLst>
+          </p:cNvPr>
+          <p:cNvSpPr txBox="1"/>
+          <p:nvPr/>
+        </p:nvSpPr>
+        <p:spPr>
+          <a:xfrm>
+            <a:off x="5197704" y="322880"/>
+            <a:ext cx="2180734" cy="923330"/>
+          </a:xfrm>
+          <a:prstGeom prst="rect">
+            <a:avLst/>
+          </a:prstGeom>
+          <a:noFill/>
+        </p:spPr>
+        <p:txBody>
+          <a:bodyPr wrap="square" rtlCol="0">
+            <a:spAutoFit/>
+          </a:bodyPr>
+          <a:lstStyle/>
+          <a:p>
+            <a:r>
+              <a:rPr lang="zh-CN" altLang="en-US" dirty="0"/>
+              <a:t>头部</a:t>
+            </a:r>
+            <a:endParaRPr lang="en-US" altLang="zh-CN" dirty="0"/>
+          </a:p>
+          <a:p>
+            <a:r>
+              <a:rPr lang="zh-CN" altLang="en-US" dirty="0"/>
+              <a:t>身体</a:t>
+            </a:r>
+            <a:endParaRPr lang="en-US" altLang="zh-CN" dirty="0"/>
+          </a:p>
+          <a:p>
+            <a:r>
+              <a:rPr lang="zh-CN" altLang="en-US" dirty="0"/>
+              <a:t>领地</a:t>
+            </a:r>
+          </a:p>
+        </p:txBody>
+      </p:sp>
+      <p:cxnSp>
+        <p:nvCxnSpPr>
+          <p:cNvPr id="7" name="直接箭头连接符 6">
+            <a:extLst>
+              <a:ext uri="{FF2B5EF4-FFF2-40B4-BE49-F238E27FC236}">
+                <a16:creationId xmlns:a16="http://schemas.microsoft.com/office/drawing/2014/main" id="{15FA5AD2-E015-4F71-AA36-5CE31E41FDDF}"/>
+              </a:ext>
+            </a:extLst>
+          </p:cNvPr>
+          <p:cNvCxnSpPr/>
+          <p:nvPr/>
+        </p:nvCxnSpPr>
+        <p:spPr>
+          <a:xfrm flipH="1" flipV="1">
+            <a:off x="4685122" y="365125"/>
+            <a:ext cx="512582" cy="153349"/>
+          </a:xfrm>
+          <a:prstGeom prst="straightConnector1">
+            <a:avLst/>
+          </a:prstGeom>
+          <a:ln>
+            <a:tailEnd type="triangle"/>
+          </a:ln>
+        </p:spPr>
+        <p:style>
+          <a:lnRef idx="1">
+            <a:schemeClr val="accent1"/>
+          </a:lnRef>
+          <a:fillRef idx="0">
+            <a:schemeClr val="accent1"/>
+          </a:fillRef>
+          <a:effectRef idx="0">
+            <a:schemeClr val="accent1"/>
+          </a:effectRef>
+          <a:fontRef idx="minor">
+            <a:schemeClr val="tx1"/>
+          </a:fontRef>
+        </p:style>
+      </p:cxnSp>
+      <p:cxnSp>
+        <p:nvCxnSpPr>
+          <p:cNvPr id="8" name="直接箭头连接符 7">
+            <a:extLst>
+              <a:ext uri="{FF2B5EF4-FFF2-40B4-BE49-F238E27FC236}">
+                <a16:creationId xmlns:a16="http://schemas.microsoft.com/office/drawing/2014/main" id="{A62FB13A-C275-4DF0-A0A1-102FAA50684B}"/>
+              </a:ext>
+            </a:extLst>
+          </p:cNvPr>
+          <p:cNvCxnSpPr>
+            <a:cxnSpLocks/>
+            <a:stCxn id="5" idx="1"/>
+          </p:cNvCxnSpPr>
+          <p:nvPr/>
+        </p:nvCxnSpPr>
+        <p:spPr>
+          <a:xfrm flipH="1">
+            <a:off x="3817856" y="784545"/>
+            <a:ext cx="1379848" cy="0"/>
+          </a:xfrm>
+          <a:prstGeom prst="straightConnector1">
+            <a:avLst/>
+          </a:prstGeom>
+          <a:ln>
+            <a:tailEnd type="triangle"/>
+          </a:ln>
+        </p:spPr>
+        <p:style>
+          <a:lnRef idx="1">
+            <a:schemeClr val="accent1"/>
+          </a:lnRef>
+          <a:fillRef idx="0">
+            <a:schemeClr val="accent1"/>
+          </a:fillRef>
+          <a:effectRef idx="0">
+            <a:schemeClr val="accent1"/>
+          </a:effectRef>
+          <a:fontRef idx="minor">
+            <a:schemeClr val="tx1"/>
+          </a:fontRef>
+        </p:style>
+      </p:cxnSp>
+      <p:cxnSp>
+        <p:nvCxnSpPr>
+          <p:cNvPr id="10" name="直接箭头连接符 9">
+            <a:extLst>
+              <a:ext uri="{FF2B5EF4-FFF2-40B4-BE49-F238E27FC236}">
+                <a16:creationId xmlns:a16="http://schemas.microsoft.com/office/drawing/2014/main" id="{8CE0D7F7-358C-4080-8527-998D203C5332}"/>
+              </a:ext>
+            </a:extLst>
+          </p:cNvPr>
+          <p:cNvCxnSpPr>
+            <a:cxnSpLocks/>
+          </p:cNvCxnSpPr>
+          <p:nvPr/>
+        </p:nvCxnSpPr>
+        <p:spPr>
+          <a:xfrm flipH="1">
+            <a:off x="5081048" y="1246210"/>
+            <a:ext cx="245096" cy="134937"/>
+          </a:xfrm>
+          <a:prstGeom prst="straightConnector1">
+            <a:avLst/>
+          </a:prstGeom>
+          <a:ln>
+            <a:tailEnd type="triangle"/>
+          </a:ln>
+        </p:spPr>
+        <p:style>
+          <a:lnRef idx="1">
+            <a:schemeClr val="accent1"/>
+          </a:lnRef>
+          <a:fillRef idx="0">
+            <a:schemeClr val="accent1"/>
+          </a:fillRef>
+          <a:effectRef idx="0">
+            <a:schemeClr val="accent1"/>
+          </a:effectRef>
+          <a:fontRef idx="minor">
+            <a:schemeClr val="tx1"/>
+          </a:fontRef>
+        </p:style>
+      </p:cxnSp>
     </p:spTree>
     <p:extLst>
       <p:ext uri="{BB962C8B-B14F-4D97-AF65-F5344CB8AC3E}">

--- a/ppt/Java-paprtio.pptx
+++ b/ppt/Java-paprtio.pptx
@@ -4163,7 +4163,76 @@
           <a:bodyPr/>
           <a:lstStyle/>
           <a:p>
-            <a:endParaRPr lang="zh-CN" altLang="en-US"/>
+            <a:r>
+              <a:rPr lang="zh-CN" altLang="en-US" dirty="0"/>
+              <a:t>优先：</a:t>
+            </a:r>
+            <a:endParaRPr lang="en-US" altLang="zh-CN" dirty="0"/>
+          </a:p>
+          <a:p>
+            <a:r>
+              <a:rPr lang="en-US" altLang="zh-CN" dirty="0"/>
+              <a:t>1.</a:t>
+            </a:r>
+            <a:r>
+              <a:rPr lang="zh-CN" altLang="en-US" dirty="0"/>
+              <a:t>规则简单，容易上手</a:t>
+            </a:r>
+            <a:endParaRPr lang="en-US" altLang="zh-CN" dirty="0"/>
+          </a:p>
+          <a:p>
+            <a:r>
+              <a:rPr lang="en-US" altLang="zh-CN" dirty="0"/>
+              <a:t>2.</a:t>
+            </a:r>
+          </a:p>
+          <a:p>
+            <a:endParaRPr lang="en-US" altLang="zh-CN" dirty="0"/>
+          </a:p>
+          <a:p>
+            <a:r>
+              <a:rPr lang="zh-CN" altLang="en-US" dirty="0"/>
+              <a:t>缺点：</a:t>
+            </a:r>
+            <a:endParaRPr lang="en-US" altLang="zh-CN" dirty="0"/>
+          </a:p>
+          <a:p>
+            <a:r>
+              <a:rPr lang="en-US" altLang="zh-CN" dirty="0"/>
+              <a:t>1.AI</a:t>
+            </a:r>
+            <a:r>
+              <a:rPr lang="zh-CN" altLang="en-US" dirty="0"/>
+              <a:t>目前仅仅由简单的随机算法加上防止碰壁实现，不够智能，缺乏挑战性</a:t>
+            </a:r>
+            <a:endParaRPr lang="en-US" altLang="zh-CN" dirty="0"/>
+          </a:p>
+          <a:p>
+            <a:r>
+              <a:rPr lang="en-US" altLang="zh-CN" dirty="0"/>
+              <a:t>2.</a:t>
+            </a:r>
+            <a:r>
+              <a:rPr lang="zh-CN" altLang="en-US" dirty="0"/>
+              <a:t>仍有一些小</a:t>
+            </a:r>
+            <a:r>
+              <a:rPr lang="en-US" altLang="zh-CN" dirty="0"/>
+              <a:t>Bug</a:t>
+            </a:r>
+            <a:r>
+              <a:rPr lang="zh-CN" altLang="en-US" dirty="0"/>
+              <a:t>，比如有时</a:t>
+            </a:r>
+            <a:r>
+              <a:rPr lang="en-US" altLang="zh-CN" dirty="0"/>
+              <a:t>AI</a:t>
+            </a:r>
+            <a:r>
+              <a:rPr lang="zh-CN" altLang="en-US" dirty="0"/>
+              <a:t>不会自动复活。</a:t>
+            </a:r>
+            <a:endParaRPr lang="en-US" altLang="zh-CN" dirty="0"/>
           </a:p>
         </p:txBody>
       </p:sp>
@@ -4246,7 +4315,52 @@
           <a:bodyPr/>
           <a:lstStyle/>
           <a:p>
-            <a:endParaRPr lang="zh-CN" altLang="en-US"/>
+            <a:r>
+              <a:rPr lang="en-US" altLang="zh-CN" dirty="0"/>
+              <a:t>1.</a:t>
+            </a:r>
+            <a:r>
+              <a:rPr lang="zh-CN" altLang="en-US" dirty="0"/>
+              <a:t>使用网络编程使游戏变成联机版</a:t>
+            </a:r>
+            <a:endParaRPr lang="en-US" altLang="zh-CN" dirty="0"/>
+          </a:p>
+          <a:p>
+            <a:r>
+              <a:rPr lang="en-US" altLang="zh-CN" dirty="0"/>
+              <a:t>2.</a:t>
+            </a:r>
+            <a:r>
+              <a:rPr lang="zh-CN" altLang="en-US" dirty="0"/>
+              <a:t>优化</a:t>
+            </a:r>
+            <a:r>
+              <a:rPr lang="en-US" altLang="zh-CN" dirty="0"/>
+              <a:t>AI</a:t>
+            </a:r>
+            <a:r>
+              <a:rPr lang="zh-CN" altLang="en-US" dirty="0"/>
+              <a:t>，使其更加智能</a:t>
+            </a:r>
+            <a:endParaRPr lang="en-US" altLang="zh-CN" dirty="0"/>
+          </a:p>
+          <a:p>
+            <a:r>
+              <a:rPr lang="en-US" altLang="zh-CN" dirty="0"/>
+              <a:t>3.</a:t>
+            </a:r>
+            <a:r>
+              <a:rPr lang="zh-CN" altLang="en-US" dirty="0"/>
+              <a:t>修复</a:t>
+            </a:r>
+            <a:r>
+              <a:rPr lang="en-US" altLang="zh-CN" dirty="0"/>
+              <a:t>bug</a:t>
+            </a:r>
+            <a:r>
+              <a:rPr lang="zh-CN" altLang="en-US" dirty="0"/>
+              <a:t>，提高游戏稳定新</a:t>
+            </a:r>
           </a:p>
         </p:txBody>
       </p:sp>
@@ -4296,40 +4410,21 @@
             <p:ph type="title"/>
           </p:nvPr>
         </p:nvSpPr>
-        <p:spPr/>
+        <p:spPr>
+          <a:xfrm>
+            <a:off x="5058625" y="2359436"/>
+            <a:ext cx="2074749" cy="1325563"/>
+          </a:xfrm>
+        </p:spPr>
         <p:txBody>
           <a:bodyPr/>
           <a:lstStyle/>
           <a:p>
+            <a:pPr algn="ctr"/>
             <a:r>
               <a:rPr lang="zh-CN" altLang="en-US" dirty="0"/>
-              <a:t>结束</a:t>
-            </a:r>
-          </a:p>
-        </p:txBody>
-      </p:sp>
-      <p:sp>
-        <p:nvSpPr>
-          <p:cNvPr id="3" name="内容占位符 2">
-            <a:extLst>
-              <a:ext uri="{FF2B5EF4-FFF2-40B4-BE49-F238E27FC236}">
-                <a16:creationId xmlns:a16="http://schemas.microsoft.com/office/drawing/2014/main" id="{5FC4E285-A13E-459C-BC3E-663B357A3DA0}"/>
-              </a:ext>
-            </a:extLst>
-          </p:cNvPr>
-          <p:cNvSpPr>
-            <a:spLocks noGrp="1"/>
-          </p:cNvSpPr>
-          <p:nvPr>
-            <p:ph idx="1"/>
-          </p:nvPr>
-        </p:nvSpPr>
-        <p:spPr/>
-        <p:txBody>
-          <a:bodyPr/>
-          <a:lstStyle/>
-          <a:p>
-            <a:endParaRPr lang="zh-CN" altLang="en-US"/>
+              <a:t>谢谢</a:t>
+            </a:r>
           </a:p>
         </p:txBody>
       </p:sp>
